--- a/docu/ResetUltraStream.pptx
+++ b/docu/ResetUltraStream.pptx
@@ -7,15 +7,16 @@
   <p:sldIdLst>
     <p:sldId id="302" r:id="rId2"/>
     <p:sldId id="314" r:id="rId3"/>
-    <p:sldId id="313" r:id="rId4"/>
-    <p:sldId id="303" r:id="rId5"/>
-    <p:sldId id="304" r:id="rId6"/>
-    <p:sldId id="305" r:id="rId7"/>
-    <p:sldId id="306" r:id="rId8"/>
-    <p:sldId id="307" r:id="rId9"/>
-    <p:sldId id="309" r:id="rId10"/>
-    <p:sldId id="311" r:id="rId11"/>
-    <p:sldId id="312" r:id="rId12"/>
+    <p:sldId id="315" r:id="rId4"/>
+    <p:sldId id="313" r:id="rId5"/>
+    <p:sldId id="303" r:id="rId6"/>
+    <p:sldId id="304" r:id="rId7"/>
+    <p:sldId id="305" r:id="rId8"/>
+    <p:sldId id="306" r:id="rId9"/>
+    <p:sldId id="307" r:id="rId10"/>
+    <p:sldId id="309" r:id="rId11"/>
+    <p:sldId id="311" r:id="rId12"/>
+    <p:sldId id="312" r:id="rId13"/>
   </p:sldIdLst>
   <p:sldSz cx="12192000" cy="6858000"/>
   <p:notesSz cx="6858000" cy="9144000"/>
@@ -116,7 +117,7 @@
   </p:defaultTextStyle>
   <p:extLst>
     <p:ext uri="{EFAFB233-063F-42B5-8137-9DF3F51BA10A}">
-      <p15:sldGuideLst xmlns="" xmlns:p15="http://schemas.microsoft.com/office/powerpoint/2012/main">
+      <p15:sldGuideLst xmlns:p15="http://schemas.microsoft.com/office/powerpoint/2012/main" xmlns="">
         <p15:guide id="1" orient="horz" pos="2160">
           <p15:clr>
             <a:srgbClr val="A4A3A4"/>
@@ -265,7 +266,7 @@
             <a:fld id="{601D6D48-1CD0-4D69-8E45-8FD8C1E00D98}" type="datetimeFigureOut">
               <a:rPr lang="de-DE" smtClean="0"/>
               <a:pPr/>
-              <a:t>02.01.2021</a:t>
+              <a:t>14.01.2021</a:t>
             </a:fld>
             <a:endParaRPr lang="de-DE"/>
           </a:p>
@@ -317,7 +318,7 @@
     </p:spTree>
     <p:extLst>
       <p:ext uri="{BB962C8B-B14F-4D97-AF65-F5344CB8AC3E}">
-        <p14:creationId xmlns="" xmlns:p14="http://schemas.microsoft.com/office/powerpoint/2010/main" val="4106576369"/>
+        <p14:creationId xmlns:p14="http://schemas.microsoft.com/office/powerpoint/2010/main" xmlns="" val="4106576369"/>
       </p:ext>
     </p:extLst>
   </p:cSld>
@@ -437,7 +438,7 @@
             <a:fld id="{601D6D48-1CD0-4D69-8E45-8FD8C1E00D98}" type="datetimeFigureOut">
               <a:rPr lang="de-DE" smtClean="0"/>
               <a:pPr/>
-              <a:t>02.01.2021</a:t>
+              <a:t>14.01.2021</a:t>
             </a:fld>
             <a:endParaRPr lang="de-DE"/>
           </a:p>
@@ -489,7 +490,7 @@
     </p:spTree>
     <p:extLst>
       <p:ext uri="{BB962C8B-B14F-4D97-AF65-F5344CB8AC3E}">
-        <p14:creationId xmlns="" xmlns:p14="http://schemas.microsoft.com/office/powerpoint/2010/main" val="2237685242"/>
+        <p14:creationId xmlns:p14="http://schemas.microsoft.com/office/powerpoint/2010/main" xmlns="" val="2237685242"/>
       </p:ext>
     </p:extLst>
   </p:cSld>
@@ -619,7 +620,7 @@
             <a:fld id="{601D6D48-1CD0-4D69-8E45-8FD8C1E00D98}" type="datetimeFigureOut">
               <a:rPr lang="de-DE" smtClean="0"/>
               <a:pPr/>
-              <a:t>02.01.2021</a:t>
+              <a:t>14.01.2021</a:t>
             </a:fld>
             <a:endParaRPr lang="de-DE"/>
           </a:p>
@@ -671,7 +672,7 @@
     </p:spTree>
     <p:extLst>
       <p:ext uri="{BB962C8B-B14F-4D97-AF65-F5344CB8AC3E}">
-        <p14:creationId xmlns="" xmlns:p14="http://schemas.microsoft.com/office/powerpoint/2010/main" val="3947205842"/>
+        <p14:creationId xmlns:p14="http://schemas.microsoft.com/office/powerpoint/2010/main" xmlns="" val="3947205842"/>
       </p:ext>
     </p:extLst>
   </p:cSld>
@@ -791,7 +792,7 @@
             <a:fld id="{601D6D48-1CD0-4D69-8E45-8FD8C1E00D98}" type="datetimeFigureOut">
               <a:rPr lang="de-DE" smtClean="0"/>
               <a:pPr/>
-              <a:t>02.01.2021</a:t>
+              <a:t>14.01.2021</a:t>
             </a:fld>
             <a:endParaRPr lang="de-DE"/>
           </a:p>
@@ -843,7 +844,7 @@
     </p:spTree>
     <p:extLst>
       <p:ext uri="{BB962C8B-B14F-4D97-AF65-F5344CB8AC3E}">
-        <p14:creationId xmlns="" xmlns:p14="http://schemas.microsoft.com/office/powerpoint/2010/main" val="3190547131"/>
+        <p14:creationId xmlns:p14="http://schemas.microsoft.com/office/powerpoint/2010/main" xmlns="" val="3190547131"/>
       </p:ext>
     </p:extLst>
   </p:cSld>
@@ -1039,7 +1040,7 @@
             <a:fld id="{601D6D48-1CD0-4D69-8E45-8FD8C1E00D98}" type="datetimeFigureOut">
               <a:rPr lang="de-DE" smtClean="0"/>
               <a:pPr/>
-              <a:t>02.01.2021</a:t>
+              <a:t>14.01.2021</a:t>
             </a:fld>
             <a:endParaRPr lang="de-DE"/>
           </a:p>
@@ -1091,7 +1092,7 @@
     </p:spTree>
     <p:extLst>
       <p:ext uri="{BB962C8B-B14F-4D97-AF65-F5344CB8AC3E}">
-        <p14:creationId xmlns="" xmlns:p14="http://schemas.microsoft.com/office/powerpoint/2010/main" val="354459686"/>
+        <p14:creationId xmlns:p14="http://schemas.microsoft.com/office/powerpoint/2010/main" xmlns="" val="354459686"/>
       </p:ext>
     </p:extLst>
   </p:cSld>
@@ -1273,7 +1274,7 @@
             <a:fld id="{601D6D48-1CD0-4D69-8E45-8FD8C1E00D98}" type="datetimeFigureOut">
               <a:rPr lang="de-DE" smtClean="0"/>
               <a:pPr/>
-              <a:t>02.01.2021</a:t>
+              <a:t>14.01.2021</a:t>
             </a:fld>
             <a:endParaRPr lang="de-DE"/>
           </a:p>
@@ -1325,7 +1326,7 @@
     </p:spTree>
     <p:extLst>
       <p:ext uri="{BB962C8B-B14F-4D97-AF65-F5344CB8AC3E}">
-        <p14:creationId xmlns="" xmlns:p14="http://schemas.microsoft.com/office/powerpoint/2010/main" val="3624499009"/>
+        <p14:creationId xmlns:p14="http://schemas.microsoft.com/office/powerpoint/2010/main" xmlns="" val="3624499009"/>
       </p:ext>
     </p:extLst>
   </p:cSld>
@@ -1642,7 +1643,7 @@
             <a:fld id="{601D6D48-1CD0-4D69-8E45-8FD8C1E00D98}" type="datetimeFigureOut">
               <a:rPr lang="de-DE" smtClean="0"/>
               <a:pPr/>
-              <a:t>02.01.2021</a:t>
+              <a:t>14.01.2021</a:t>
             </a:fld>
             <a:endParaRPr lang="de-DE"/>
           </a:p>
@@ -1694,7 +1695,7 @@
     </p:spTree>
     <p:extLst>
       <p:ext uri="{BB962C8B-B14F-4D97-AF65-F5344CB8AC3E}">
-        <p14:creationId xmlns="" xmlns:p14="http://schemas.microsoft.com/office/powerpoint/2010/main" val="873652365"/>
+        <p14:creationId xmlns:p14="http://schemas.microsoft.com/office/powerpoint/2010/main" xmlns="" val="873652365"/>
       </p:ext>
     </p:extLst>
   </p:cSld>
@@ -1762,7 +1763,7 @@
             <a:fld id="{601D6D48-1CD0-4D69-8E45-8FD8C1E00D98}" type="datetimeFigureOut">
               <a:rPr lang="de-DE" smtClean="0"/>
               <a:pPr/>
-              <a:t>02.01.2021</a:t>
+              <a:t>14.01.2021</a:t>
             </a:fld>
             <a:endParaRPr lang="de-DE"/>
           </a:p>
@@ -1814,7 +1815,7 @@
     </p:spTree>
     <p:extLst>
       <p:ext uri="{BB962C8B-B14F-4D97-AF65-F5344CB8AC3E}">
-        <p14:creationId xmlns="" xmlns:p14="http://schemas.microsoft.com/office/powerpoint/2010/main" val="3399419571"/>
+        <p14:creationId xmlns:p14="http://schemas.microsoft.com/office/powerpoint/2010/main" xmlns="" val="3399419571"/>
       </p:ext>
     </p:extLst>
   </p:cSld>
@@ -1859,7 +1860,7 @@
             <a:fld id="{601D6D48-1CD0-4D69-8E45-8FD8C1E00D98}" type="datetimeFigureOut">
               <a:rPr lang="de-DE" smtClean="0"/>
               <a:pPr/>
-              <a:t>02.01.2021</a:t>
+              <a:t>14.01.2021</a:t>
             </a:fld>
             <a:endParaRPr lang="de-DE"/>
           </a:p>
@@ -1911,7 +1912,7 @@
     </p:spTree>
     <p:extLst>
       <p:ext uri="{BB962C8B-B14F-4D97-AF65-F5344CB8AC3E}">
-        <p14:creationId xmlns="" xmlns:p14="http://schemas.microsoft.com/office/powerpoint/2010/main" val="1044668979"/>
+        <p14:creationId xmlns:p14="http://schemas.microsoft.com/office/powerpoint/2010/main" xmlns="" val="1044668979"/>
       </p:ext>
     </p:extLst>
   </p:cSld>
@@ -2138,7 +2139,7 @@
             <a:fld id="{601D6D48-1CD0-4D69-8E45-8FD8C1E00D98}" type="datetimeFigureOut">
               <a:rPr lang="de-DE" smtClean="0"/>
               <a:pPr/>
-              <a:t>02.01.2021</a:t>
+              <a:t>14.01.2021</a:t>
             </a:fld>
             <a:endParaRPr lang="de-DE"/>
           </a:p>
@@ -2190,7 +2191,7 @@
     </p:spTree>
     <p:extLst>
       <p:ext uri="{BB962C8B-B14F-4D97-AF65-F5344CB8AC3E}">
-        <p14:creationId xmlns="" xmlns:p14="http://schemas.microsoft.com/office/powerpoint/2010/main" val="789747347"/>
+        <p14:creationId xmlns:p14="http://schemas.microsoft.com/office/powerpoint/2010/main" xmlns="" val="789747347"/>
       </p:ext>
     </p:extLst>
   </p:cSld>
@@ -2397,7 +2398,7 @@
             <a:fld id="{601D6D48-1CD0-4D69-8E45-8FD8C1E00D98}" type="datetimeFigureOut">
               <a:rPr lang="de-DE" smtClean="0"/>
               <a:pPr/>
-              <a:t>02.01.2021</a:t>
+              <a:t>14.01.2021</a:t>
             </a:fld>
             <a:endParaRPr lang="de-DE"/>
           </a:p>
@@ -2449,7 +2450,7 @@
     </p:spTree>
     <p:extLst>
       <p:ext uri="{BB962C8B-B14F-4D97-AF65-F5344CB8AC3E}">
-        <p14:creationId xmlns="" xmlns:p14="http://schemas.microsoft.com/office/powerpoint/2010/main" val="674993363"/>
+        <p14:creationId xmlns:p14="http://schemas.microsoft.com/office/powerpoint/2010/main" xmlns="" val="674993363"/>
       </p:ext>
     </p:extLst>
   </p:cSld>
@@ -2612,7 +2613,7 @@
             <a:fld id="{601D6D48-1CD0-4D69-8E45-8FD8C1E00D98}" type="datetimeFigureOut">
               <a:rPr lang="de-DE" smtClean="0"/>
               <a:pPr/>
-              <a:t>02.01.2021</a:t>
+              <a:t>14.01.2021</a:t>
             </a:fld>
             <a:endParaRPr lang="de-DE"/>
           </a:p>
@@ -2700,7 +2701,7 @@
     </p:spTree>
     <p:extLst>
       <p:ext uri="{BB962C8B-B14F-4D97-AF65-F5344CB8AC3E}">
-        <p14:creationId xmlns="" xmlns:p14="http://schemas.microsoft.com/office/powerpoint/2010/main" val="1636046761"/>
+        <p14:creationId xmlns:p14="http://schemas.microsoft.com/office/powerpoint/2010/main" xmlns="" val="1636046761"/>
       </p:ext>
     </p:extLst>
   </p:cSld>
@@ -3061,7 +3062,7 @@
           <a:lstStyle/>
           <a:p>
             <a:r>
-              <a:rPr lang="de-DE" b="1" dirty="0" err="1" smtClean="0">
+              <a:rPr lang="de-DE" b="1" dirty="0" err="1">
                 <a:solidFill>
                   <a:schemeClr val="bg1"/>
                 </a:solidFill>
@@ -3069,41 +3070,44 @@
               <a:t>ResetUltraStream</a:t>
             </a:r>
             <a:r>
+              <a:rPr lang="de-DE" b="1" dirty="0">
+                <a:solidFill>
+                  <a:schemeClr val="bg1"/>
+                </a:solidFill>
+              </a:rPr>
+              <a:t> </a:t>
+            </a:r>
+            <a:r>
               <a:rPr lang="de-DE" b="1" dirty="0" smtClean="0">
                 <a:solidFill>
                   <a:schemeClr val="bg1"/>
                 </a:solidFill>
               </a:rPr>
-              <a:t> </a:t>
-            </a:r>
-            <a:r>
-              <a:rPr lang="de-DE" b="1" dirty="0" smtClean="0">
-                <a:solidFill>
-                  <a:schemeClr val="bg1"/>
-                </a:solidFill>
-              </a:rPr>
               <a:t>1</a:t>
             </a:r>
+            <a:r>
+              <a:rPr lang="de-DE" b="1" dirty="0">
+                <a:solidFill>
+                  <a:schemeClr val="bg1"/>
+                </a:solidFill>
+              </a:rPr>
+              <a:t/>
+            </a:r>
             <a:br>
-              <a:rPr lang="de-DE" b="1" dirty="0" smtClean="0">
+              <a:rPr lang="de-DE" b="1" dirty="0">
                 <a:solidFill>
                   <a:schemeClr val="bg1"/>
                 </a:solidFill>
               </a:rPr>
             </a:br>
             <a:r>
-              <a:rPr lang="de-DE" b="1" dirty="0" smtClean="0">
+              <a:rPr lang="de-DE" b="1" dirty="0">
                 <a:solidFill>
                   <a:schemeClr val="bg1"/>
                 </a:solidFill>
               </a:rPr>
               <a:t>State Support 1</a:t>
             </a:r>
-            <a:endParaRPr lang="de-DE" b="1" dirty="0">
-              <a:solidFill>
-                <a:schemeClr val="bg1"/>
-              </a:solidFill>
-            </a:endParaRPr>
           </a:p>
         </p:txBody>
       </p:sp>
@@ -3139,7 +3143,7 @@
           <a:lstStyle/>
           <a:p>
             <a:r>
-              <a:rPr lang="de-DE" dirty="0" err="1" smtClean="0">
+              <a:rPr lang="de-DE" dirty="0" err="1">
                 <a:solidFill>
                   <a:schemeClr val="bg1"/>
                 </a:solidFill>
@@ -3154,7 +3158,7 @@
               <a:t>UltraStream</a:t>
             </a:r>
             <a:r>
-              <a:rPr lang="de-DE" dirty="0" smtClean="0">
+              <a:rPr lang="de-DE" dirty="0">
                 <a:solidFill>
                   <a:schemeClr val="bg1"/>
                 </a:solidFill>
@@ -3171,7 +3175,7 @@
           </a:p>
           <a:p>
             <a:r>
-              <a:rPr lang="de-DE" dirty="0" smtClean="0">
+              <a:rPr lang="de-DE" dirty="0">
                 <a:solidFill>
                   <a:schemeClr val="bg1"/>
                 </a:solidFill>
@@ -3186,7 +3190,7 @@
               <a:t>In </a:t>
             </a:r>
             <a:r>
-              <a:rPr lang="de-DE" dirty="0" err="1" smtClean="0">
+              <a:rPr lang="de-DE" dirty="0" err="1">
                 <a:solidFill>
                   <a:schemeClr val="bg1"/>
                 </a:solidFill>
@@ -3201,7 +3205,7 @@
               <a:t>About</a:t>
             </a:r>
             <a:r>
-              <a:rPr lang="de-DE" dirty="0" smtClean="0">
+              <a:rPr lang="de-DE" dirty="0">
                 <a:solidFill>
                   <a:schemeClr val="bg1"/>
                 </a:solidFill>
@@ -3217,7 +3221,7 @@
             </a:r>
           </a:p>
           <a:p>
-            <a:endParaRPr lang="de-DE" dirty="0" smtClean="0">
+            <a:endParaRPr lang="de-DE" dirty="0">
               <a:solidFill>
                 <a:schemeClr val="bg1"/>
               </a:solidFill>
@@ -3231,7 +3235,7 @@
             </a:endParaRPr>
           </a:p>
           <a:p>
-            <a:endParaRPr lang="de-DE" dirty="0" smtClean="0">
+            <a:endParaRPr lang="de-DE" dirty="0">
               <a:solidFill>
                 <a:schemeClr val="bg1"/>
               </a:solidFill>
@@ -3245,7 +3249,7 @@
             </a:endParaRPr>
           </a:p>
           <a:p>
-            <a:endParaRPr lang="de-DE" dirty="0" smtClean="0">
+            <a:endParaRPr lang="de-DE" dirty="0">
               <a:solidFill>
                 <a:schemeClr val="bg1"/>
               </a:solidFill>
@@ -3259,7 +3263,7 @@
             </a:endParaRPr>
           </a:p>
           <a:p>
-            <a:endParaRPr lang="de-DE" dirty="0" smtClean="0">
+            <a:endParaRPr lang="de-DE" dirty="0">
               <a:solidFill>
                 <a:schemeClr val="bg1"/>
               </a:solidFill>
@@ -3313,7 +3317,7 @@
           <a:p>
             <a:pPr algn="ctr"/>
             <a:r>
-              <a:rPr lang="de-DE" b="1" dirty="0" smtClean="0">
+              <a:rPr lang="de-DE" b="1" dirty="0">
                 <a:solidFill>
                   <a:schemeClr val="tx1"/>
                 </a:solidFill>
@@ -3321,7 +3325,7 @@
               <a:t>WEB UI </a:t>
             </a:r>
             <a:r>
-              <a:rPr lang="de-DE" b="1" dirty="0" err="1" smtClean="0">
+              <a:rPr lang="de-DE" b="1" dirty="0" err="1">
                 <a:solidFill>
                   <a:schemeClr val="tx1"/>
                 </a:solidFill>
@@ -3412,13 +3416,6 @@
   <p:clrMapOvr>
     <a:masterClrMapping/>
   </p:clrMapOvr>
-  <p:timing>
-    <p:tnLst>
-      <p:par>
-        <p:cTn id="1" dur="indefinite" restart="never" nodeType="tmRoot"/>
-      </p:par>
-    </p:tnLst>
-  </p:timing>
 </p:sld>
 </file>
 
@@ -3482,7 +3479,7 @@
           <a:lstStyle/>
           <a:p>
             <a:r>
-              <a:rPr lang="de-DE" b="1" dirty="0" err="1" smtClean="0">
+              <a:rPr lang="de-DE" b="1" dirty="0" err="1">
                 <a:solidFill>
                   <a:schemeClr val="bg1"/>
                 </a:solidFill>
@@ -3490,30 +3487,22 @@
               <a:t>ResetUltraStream</a:t>
             </a:r>
             <a:r>
-              <a:rPr lang="de-DE" b="1" dirty="0" smtClean="0">
+              <a:rPr lang="de-DE" b="1" dirty="0">
                 <a:solidFill>
                   <a:schemeClr val="bg1"/>
                 </a:solidFill>
               </a:rPr>
               <a:t> 10</a:t>
             </a:r>
-            <a:r>
-              <a:rPr lang="de-DE" b="1" dirty="0" smtClean="0">
-                <a:solidFill>
-                  <a:schemeClr val="bg1"/>
-                </a:solidFill>
-              </a:rPr>
-              <a:t/>
-            </a:r>
             <a:br>
-              <a:rPr lang="de-DE" b="1" dirty="0" smtClean="0">
+              <a:rPr lang="de-DE" b="1" dirty="0">
                 <a:solidFill>
                   <a:schemeClr val="bg1"/>
                 </a:solidFill>
               </a:rPr>
             </a:br>
             <a:r>
-              <a:rPr lang="de-DE" b="1" dirty="0" err="1" smtClean="0">
+              <a:rPr lang="de-DE" b="1" dirty="0" err="1">
                 <a:solidFill>
                   <a:schemeClr val="bg1"/>
                 </a:solidFill>
@@ -3521,7 +3510,7 @@
               <a:t>set</a:t>
             </a:r>
             <a:r>
-              <a:rPr lang="de-DE" b="1" dirty="0" smtClean="0">
+              <a:rPr lang="de-DE" b="1" dirty="0">
                 <a:solidFill>
                   <a:schemeClr val="bg1"/>
                 </a:solidFill>
@@ -3529,7 +3518,7 @@
               <a:t> </a:t>
             </a:r>
             <a:r>
-              <a:rPr lang="de-DE" b="1" dirty="0" err="1" smtClean="0">
+              <a:rPr lang="de-DE" b="1" dirty="0" err="1">
                 <a:solidFill>
                   <a:schemeClr val="bg1"/>
                 </a:solidFill>
@@ -3537,18 +3526,13 @@
               <a:t>Sreaming</a:t>
             </a:r>
             <a:r>
-              <a:rPr lang="de-DE" b="1" dirty="0" smtClean="0">
-                <a:solidFill>
-                  <a:schemeClr val="bg1"/>
-                </a:solidFill>
-              </a:rPr>
-              <a:t> Server 3</a:t>
-            </a:r>
-            <a:endParaRPr lang="de-DE" b="1" dirty="0">
-              <a:solidFill>
-                <a:schemeClr val="bg1"/>
-              </a:solidFill>
-            </a:endParaRPr>
+              <a:rPr lang="de-DE" b="1" dirty="0">
+                <a:solidFill>
+                  <a:schemeClr val="bg1"/>
+                </a:solidFill>
+              </a:rPr>
+              <a:t> Server 2</a:t>
+            </a:r>
           </a:p>
         </p:txBody>
       </p:sp>
@@ -3584,7 +3568,436 @@
           <a:lstStyle/>
           <a:p>
             <a:r>
-              <a:rPr lang="de-DE" dirty="0" smtClean="0">
+              <a:rPr lang="de-DE" dirty="0">
+                <a:solidFill>
+                  <a:schemeClr val="bg1"/>
+                </a:solidFill>
+                <a:effectLst>
+                  <a:outerShdw blurRad="50800" dist="50800" dir="5400000" algn="ctr" rotWithShape="0">
+                    <a:srgbClr val="000000">
+                      <a:alpha val="0"/>
+                    </a:srgbClr>
+                  </a:outerShdw>
+                </a:effectLst>
+              </a:rPr>
+              <a:t>Code mit </a:t>
+            </a:r>
+            <a:r>
+              <a:rPr lang="de-DE" dirty="0" err="1">
+                <a:solidFill>
+                  <a:schemeClr val="bg1"/>
+                </a:solidFill>
+                <a:effectLst>
+                  <a:outerShdw blurRad="50800" dist="50800" dir="5400000" algn="ctr" rotWithShape="0">
+                    <a:srgbClr val="000000">
+                      <a:alpha val="0"/>
+                    </a:srgbClr>
+                  </a:outerShdw>
+                </a:effectLst>
+              </a:rPr>
+              <a:t>copy</a:t>
+            </a:r>
+            <a:r>
+              <a:rPr lang="de-DE" dirty="0">
+                <a:solidFill>
+                  <a:schemeClr val="bg1"/>
+                </a:solidFill>
+                <a:effectLst>
+                  <a:outerShdw blurRad="50800" dist="50800" dir="5400000" algn="ctr" rotWithShape="0">
+                    <a:srgbClr val="000000">
+                      <a:alpha val="0"/>
+                    </a:srgbClr>
+                  </a:outerShdw>
+                </a:effectLst>
+              </a:rPr>
+              <a:t> </a:t>
+            </a:r>
+            <a:r>
+              <a:rPr lang="de-DE" dirty="0" err="1">
+                <a:solidFill>
+                  <a:schemeClr val="bg1"/>
+                </a:solidFill>
+                <a:effectLst>
+                  <a:outerShdw blurRad="50800" dist="50800" dir="5400000" algn="ctr" rotWithShape="0">
+                    <a:srgbClr val="000000">
+                      <a:alpha val="0"/>
+                    </a:srgbClr>
+                  </a:outerShdw>
+                </a:effectLst>
+              </a:rPr>
+              <a:t>to</a:t>
+            </a:r>
+            <a:r>
+              <a:rPr lang="de-DE" dirty="0">
+                <a:solidFill>
+                  <a:schemeClr val="bg1"/>
+                </a:solidFill>
+                <a:effectLst>
+                  <a:outerShdw blurRad="50800" dist="50800" dir="5400000" algn="ctr" rotWithShape="0">
+                    <a:srgbClr val="000000">
+                      <a:alpha val="0"/>
+                    </a:srgbClr>
+                  </a:outerShdw>
+                </a:effectLst>
+              </a:rPr>
+              <a:t> </a:t>
+            </a:r>
+            <a:r>
+              <a:rPr lang="de-DE" dirty="0" err="1">
+                <a:solidFill>
+                  <a:schemeClr val="bg1"/>
+                </a:solidFill>
+                <a:effectLst>
+                  <a:outerShdw blurRad="50800" dist="50800" dir="5400000" algn="ctr" rotWithShape="0">
+                    <a:srgbClr val="000000">
+                      <a:alpha val="0"/>
+                    </a:srgbClr>
+                  </a:outerShdw>
+                </a:effectLst>
+              </a:rPr>
+              <a:t>clipboard</a:t>
+            </a:r>
+            <a:r>
+              <a:rPr lang="de-DE" dirty="0">
+                <a:solidFill>
+                  <a:schemeClr val="bg1"/>
+                </a:solidFill>
+                <a:effectLst>
+                  <a:outerShdw blurRad="50800" dist="50800" dir="5400000" algn="ctr" rotWithShape="0">
+                    <a:srgbClr val="000000">
+                      <a:alpha val="0"/>
+                    </a:srgbClr>
+                  </a:outerShdw>
+                </a:effectLst>
+              </a:rPr>
+              <a:t> in Zwischenablage kopieren</a:t>
+            </a:r>
+          </a:p>
+          <a:p>
+            <a:r>
+              <a:rPr lang="de-DE" dirty="0">
+                <a:solidFill>
+                  <a:schemeClr val="bg1"/>
+                </a:solidFill>
+                <a:effectLst>
+                  <a:outerShdw blurRad="50800" dist="50800" dir="5400000" algn="ctr" rotWithShape="0">
+                    <a:srgbClr val="000000">
+                      <a:alpha val="0"/>
+                    </a:srgbClr>
+                  </a:outerShdw>
+                </a:effectLst>
+              </a:rPr>
+              <a:t>Go </a:t>
+            </a:r>
+            <a:r>
+              <a:rPr lang="de-DE" dirty="0" err="1">
+                <a:solidFill>
+                  <a:schemeClr val="bg1"/>
+                </a:solidFill>
+                <a:effectLst>
+                  <a:outerShdw blurRad="50800" dist="50800" dir="5400000" algn="ctr" rotWithShape="0">
+                    <a:srgbClr val="000000">
+                      <a:alpha val="0"/>
+                    </a:srgbClr>
+                  </a:outerShdw>
+                </a:effectLst>
+              </a:rPr>
+              <a:t>to</a:t>
+            </a:r>
+            <a:r>
+              <a:rPr lang="de-DE" dirty="0">
+                <a:solidFill>
+                  <a:schemeClr val="bg1"/>
+                </a:solidFill>
+                <a:effectLst>
+                  <a:outerShdw blurRad="50800" dist="50800" dir="5400000" algn="ctr" rotWithShape="0">
+                    <a:srgbClr val="000000">
+                      <a:alpha val="0"/>
+                    </a:srgbClr>
+                  </a:outerShdw>
+                </a:effectLst>
+              </a:rPr>
+              <a:t> </a:t>
+            </a:r>
+            <a:r>
+              <a:rPr lang="de-DE" dirty="0" err="1">
+                <a:solidFill>
+                  <a:schemeClr val="bg1"/>
+                </a:solidFill>
+                <a:effectLst>
+                  <a:outerShdw blurRad="50800" dist="50800" dir="5400000" algn="ctr" rotWithShape="0">
+                    <a:srgbClr val="000000">
+                      <a:alpha val="0"/>
+                    </a:srgbClr>
+                  </a:outerShdw>
+                </a:effectLst>
+              </a:rPr>
+              <a:t>Youtube</a:t>
+            </a:r>
+            <a:r>
+              <a:rPr lang="de-DE" dirty="0">
+                <a:solidFill>
+                  <a:schemeClr val="bg1"/>
+                </a:solidFill>
+                <a:effectLst>
+                  <a:outerShdw blurRad="50800" dist="50800" dir="5400000" algn="ctr" rotWithShape="0">
+                    <a:srgbClr val="000000">
+                      <a:alpha val="0"/>
+                    </a:srgbClr>
+                  </a:outerShdw>
+                </a:effectLst>
+              </a:rPr>
+              <a:t> wählen</a:t>
+            </a:r>
+          </a:p>
+          <a:p>
+            <a:r>
+              <a:rPr lang="de-DE" dirty="0">
+                <a:solidFill>
+                  <a:schemeClr val="bg1"/>
+                </a:solidFill>
+                <a:effectLst>
+                  <a:outerShdw blurRad="50800" dist="50800" dir="5400000" algn="ctr" rotWithShape="0">
+                    <a:srgbClr val="000000">
+                      <a:alpha val="0"/>
+                    </a:srgbClr>
+                  </a:outerShdw>
+                </a:effectLst>
+              </a:rPr>
+              <a:t>Code aus Zwischenablage ins Browserfenster kopieren und mit weiter  bestätigen</a:t>
+            </a:r>
+          </a:p>
+        </p:txBody>
+      </p:sp>
+      <p:pic>
+        <p:nvPicPr>
+          <p:cNvPr id="8194" name="Picture 2"/>
+          <p:cNvPicPr>
+            <a:picLocks noChangeAspect="1" noChangeArrowheads="1"/>
+          </p:cNvPicPr>
+          <p:nvPr/>
+        </p:nvPicPr>
+        <p:blipFill>
+          <a:blip r:embed="rId2"/>
+          <a:srcRect/>
+          <a:stretch>
+            <a:fillRect/>
+          </a:stretch>
+        </p:blipFill>
+        <p:spPr bwMode="auto">
+          <a:xfrm>
+            <a:off x="6457326" y="0"/>
+            <a:ext cx="5734674" cy="3444949"/>
+          </a:xfrm>
+          <a:prstGeom prst="rect">
+            <a:avLst/>
+          </a:prstGeom>
+          <a:noFill/>
+          <a:ln w="9525">
+            <a:noFill/>
+            <a:miter lim="800000"/>
+            <a:headEnd/>
+            <a:tailEnd/>
+          </a:ln>
+          <a:effectLst/>
+        </p:spPr>
+      </p:pic>
+      <p:pic>
+        <p:nvPicPr>
+          <p:cNvPr id="8195" name="Picture 3"/>
+          <p:cNvPicPr>
+            <a:picLocks noChangeAspect="1" noChangeArrowheads="1"/>
+          </p:cNvPicPr>
+          <p:nvPr/>
+        </p:nvPicPr>
+        <p:blipFill>
+          <a:blip r:embed="rId3"/>
+          <a:srcRect/>
+          <a:stretch>
+            <a:fillRect/>
+          </a:stretch>
+        </p:blipFill>
+        <p:spPr bwMode="auto">
+          <a:xfrm>
+            <a:off x="7506587" y="3472306"/>
+            <a:ext cx="4685414" cy="3321664"/>
+          </a:xfrm>
+          <a:prstGeom prst="rect">
+            <a:avLst/>
+          </a:prstGeom>
+          <a:noFill/>
+          <a:ln w="9525">
+            <a:noFill/>
+            <a:miter lim="800000"/>
+            <a:headEnd/>
+            <a:tailEnd/>
+          </a:ln>
+          <a:effectLst/>
+        </p:spPr>
+      </p:pic>
+    </p:spTree>
+    <p:extLst>
+      <p:ext uri="{BB962C8B-B14F-4D97-AF65-F5344CB8AC3E}">
+        <p14:creationId xmlns:p14="http://schemas.microsoft.com/office/powerpoint/2010/main" xmlns="" val="2321782577"/>
+      </p:ext>
+    </p:extLst>
+  </p:cSld>
+  <p:clrMapOvr>
+    <a:masterClrMapping/>
+  </p:clrMapOvr>
+</p:sld>
+</file>
+
+<file path=ppt/slides/slide11.xml><?xml version="1.0" encoding="utf-8"?>
+<p:sld xmlns:a="http://schemas.openxmlformats.org/drawingml/2006/main" xmlns:r="http://schemas.openxmlformats.org/officeDocument/2006/relationships" xmlns:p="http://schemas.openxmlformats.org/presentationml/2006/main">
+  <p:cSld>
+    <p:bg>
+      <p:bgPr>
+        <a:solidFill>
+          <a:schemeClr val="bg1">
+            <a:alpha val="0"/>
+          </a:schemeClr>
+        </a:solidFill>
+        <a:effectLst/>
+      </p:bgPr>
+    </p:bg>
+    <p:spTree>
+      <p:nvGrpSpPr>
+        <p:cNvPr id="1" name=""/>
+        <p:cNvGrpSpPr/>
+        <p:nvPr/>
+      </p:nvGrpSpPr>
+      <p:grpSpPr>
+        <a:xfrm>
+          <a:off x="0" y="0"/>
+          <a:ext cx="0" cy="0"/>
+          <a:chOff x="0" y="0"/>
+          <a:chExt cx="0" cy="0"/>
+        </a:xfrm>
+      </p:grpSpPr>
+      <p:sp>
+        <p:nvSpPr>
+          <p:cNvPr id="2" name="Titel 1">
+            <a:extLst>
+              <a:ext uri="{FF2B5EF4-FFF2-40B4-BE49-F238E27FC236}">
+                <a16:creationId xmlns:a16="http://schemas.microsoft.com/office/drawing/2014/main" xmlns="" id="{19DD5F15-9C27-4730-80B4-4B8CA5C3D954}"/>
+              </a:ext>
+            </a:extLst>
+          </p:cNvPr>
+          <p:cNvSpPr>
+            <a:spLocks noGrp="1"/>
+          </p:cNvSpPr>
+          <p:nvPr>
+            <p:ph type="title"/>
+          </p:nvPr>
+        </p:nvSpPr>
+        <p:spPr>
+          <a:xfrm>
+            <a:off x="1163505" y="299558"/>
+            <a:ext cx="10515600" cy="1325563"/>
+          </a:xfrm>
+          <a:noFill/>
+          <a:ln>
+            <a:solidFill>
+              <a:schemeClr val="tx1"/>
+            </a:solidFill>
+          </a:ln>
+        </p:spPr>
+        <p:txBody>
+          <a:bodyPr/>
+          <a:lstStyle/>
+          <a:p>
+            <a:r>
+              <a:rPr lang="de-DE" b="1" dirty="0" err="1">
+                <a:solidFill>
+                  <a:schemeClr val="bg1"/>
+                </a:solidFill>
+              </a:rPr>
+              <a:t>ResetUltraStream</a:t>
+            </a:r>
+            <a:r>
+              <a:rPr lang="de-DE" b="1" dirty="0">
+                <a:solidFill>
+                  <a:schemeClr val="bg1"/>
+                </a:solidFill>
+              </a:rPr>
+              <a:t> 11</a:t>
+            </a:r>
+            <a:br>
+              <a:rPr lang="de-DE" b="1" dirty="0">
+                <a:solidFill>
+                  <a:schemeClr val="bg1"/>
+                </a:solidFill>
+              </a:rPr>
+            </a:br>
+            <a:r>
+              <a:rPr lang="de-DE" b="1" dirty="0" err="1">
+                <a:solidFill>
+                  <a:schemeClr val="bg1"/>
+                </a:solidFill>
+              </a:rPr>
+              <a:t>set</a:t>
+            </a:r>
+            <a:r>
+              <a:rPr lang="de-DE" b="1" dirty="0">
+                <a:solidFill>
+                  <a:schemeClr val="bg1"/>
+                </a:solidFill>
+              </a:rPr>
+              <a:t> </a:t>
+            </a:r>
+            <a:r>
+              <a:rPr lang="de-DE" b="1" dirty="0" err="1">
+                <a:solidFill>
+                  <a:schemeClr val="bg1"/>
+                </a:solidFill>
+              </a:rPr>
+              <a:t>Sreaming</a:t>
+            </a:r>
+            <a:r>
+              <a:rPr lang="de-DE" b="1" dirty="0">
+                <a:solidFill>
+                  <a:schemeClr val="bg1"/>
+                </a:solidFill>
+              </a:rPr>
+              <a:t> Server 3</a:t>
+            </a:r>
+          </a:p>
+        </p:txBody>
+      </p:sp>
+      <p:sp>
+        <p:nvSpPr>
+          <p:cNvPr id="3" name="Inhaltsplatzhalter 2">
+            <a:extLst>
+              <a:ext uri="{FF2B5EF4-FFF2-40B4-BE49-F238E27FC236}">
+                <a16:creationId xmlns:a16="http://schemas.microsoft.com/office/drawing/2014/main" xmlns="" id="{E47621BA-2F32-4AB0-8C4C-5362CB4F4EC5}"/>
+              </a:ext>
+            </a:extLst>
+          </p:cNvPr>
+          <p:cNvSpPr>
+            <a:spLocks noGrp="1"/>
+          </p:cNvSpPr>
+          <p:nvPr>
+            <p:ph idx="1"/>
+          </p:nvPr>
+        </p:nvSpPr>
+        <p:spPr>
+          <a:xfrm>
+            <a:off x="202020" y="2222205"/>
+            <a:ext cx="6220046" cy="2945219"/>
+          </a:xfrm>
+          <a:solidFill>
+            <a:schemeClr val="tx1"/>
+          </a:solidFill>
+        </p:spPr>
+        <p:txBody>
+          <a:bodyPr>
+            <a:normAutofit/>
+          </a:bodyPr>
+          <a:lstStyle/>
+          <a:p>
+            <a:r>
+              <a:rPr lang="de-DE" dirty="0">
                 <a:solidFill>
                   <a:schemeClr val="bg1"/>
                 </a:solidFill>
@@ -3599,7 +4012,7 @@
               <a:t>Johanneskirche Hersbruck </a:t>
             </a:r>
             <a:r>
-              <a:rPr lang="de-DE" dirty="0" err="1" smtClean="0">
+              <a:rPr lang="de-DE" dirty="0" err="1">
                 <a:solidFill>
                   <a:schemeClr val="bg1"/>
                 </a:solidFill>
@@ -3614,7 +4027,7 @@
               <a:t>YouTube</a:t>
             </a:r>
             <a:r>
-              <a:rPr lang="de-DE" dirty="0" smtClean="0">
+              <a:rPr lang="de-DE" dirty="0">
                 <a:solidFill>
                   <a:schemeClr val="bg1"/>
                 </a:solidFill>
@@ -3631,7 +4044,7 @@
           </a:p>
           <a:p>
             <a:r>
-              <a:rPr lang="de-DE" dirty="0" smtClean="0">
+              <a:rPr lang="de-DE" dirty="0">
                 <a:solidFill>
                   <a:schemeClr val="bg1"/>
                 </a:solidFill>
@@ -3645,18 +4058,6 @@
               </a:rPr>
               <a:t>Google Konto Zugriff mit Zulassen bestätigen</a:t>
             </a:r>
-            <a:endParaRPr lang="de-DE" dirty="0" smtClean="0">
-              <a:solidFill>
-                <a:schemeClr val="bg1"/>
-              </a:solidFill>
-              <a:effectLst>
-                <a:outerShdw blurRad="50800" dist="50800" dir="5400000" algn="ctr" rotWithShape="0">
-                  <a:srgbClr val="000000">
-                    <a:alpha val="0"/>
-                  </a:srgbClr>
-                </a:outerShdw>
-              </a:effectLst>
-            </a:endParaRPr>
           </a:p>
         </p:txBody>
       </p:sp>
@@ -3736,17 +4137,10 @@
   <p:clrMapOvr>
     <a:masterClrMapping/>
   </p:clrMapOvr>
-  <p:timing>
-    <p:tnLst>
-      <p:par>
-        <p:cTn id="1" dur="indefinite" restart="never" nodeType="tmRoot"/>
-      </p:par>
-    </p:tnLst>
-  </p:timing>
 </p:sld>
 </file>
 
-<file path=ppt/slides/slide11.xml><?xml version="1.0" encoding="utf-8"?>
+<file path=ppt/slides/slide12.xml><?xml version="1.0" encoding="utf-8"?>
 <p:sld xmlns:a="http://schemas.openxmlformats.org/drawingml/2006/main" xmlns:r="http://schemas.openxmlformats.org/officeDocument/2006/relationships" xmlns:p="http://schemas.openxmlformats.org/presentationml/2006/main">
   <p:cSld>
     <p:bg>
@@ -3806,7 +4200,7 @@
           <a:lstStyle/>
           <a:p>
             <a:r>
-              <a:rPr lang="de-DE" b="1" dirty="0" err="1" smtClean="0">
+              <a:rPr lang="de-DE" b="1" dirty="0" err="1">
                 <a:solidFill>
                   <a:schemeClr val="bg1"/>
                 </a:solidFill>
@@ -3814,7 +4208,30 @@
               <a:t>ResetUltraStream</a:t>
             </a:r>
             <a:r>
-              <a:rPr lang="de-DE" b="1" dirty="0" smtClean="0">
+              <a:rPr lang="de-DE" b="1" dirty="0">
+                <a:solidFill>
+                  <a:schemeClr val="bg1"/>
+                </a:solidFill>
+              </a:rPr>
+              <a:t> 12</a:t>
+            </a:r>
+            <a:br>
+              <a:rPr lang="de-DE" b="1" dirty="0">
+                <a:solidFill>
+                  <a:schemeClr val="bg1"/>
+                </a:solidFill>
+              </a:rPr>
+            </a:br>
+            <a:r>
+              <a:rPr lang="de-DE" b="1" dirty="0" err="1">
+                <a:solidFill>
+                  <a:schemeClr val="bg1"/>
+                </a:solidFill>
+              </a:rPr>
+              <a:t>set</a:t>
+            </a:r>
+            <a:r>
+              <a:rPr lang="de-DE" b="1" dirty="0">
                 <a:solidFill>
                   <a:schemeClr val="bg1"/>
                 </a:solidFill>
@@ -3822,46 +4239,7 @@
               <a:t> </a:t>
             </a:r>
             <a:r>
-              <a:rPr lang="de-DE" b="1" dirty="0" smtClean="0">
-                <a:solidFill>
-                  <a:schemeClr val="bg1"/>
-                </a:solidFill>
-              </a:rPr>
-              <a:t>11</a:t>
-            </a:r>
-            <a:r>
-              <a:rPr lang="de-DE" b="1" dirty="0" smtClean="0">
-                <a:solidFill>
-                  <a:schemeClr val="bg1"/>
-                </a:solidFill>
-              </a:rPr>
-              <a:t/>
-            </a:r>
-            <a:br>
-              <a:rPr lang="de-DE" b="1" dirty="0" smtClean="0">
-                <a:solidFill>
-                  <a:schemeClr val="bg1"/>
-                </a:solidFill>
-              </a:rPr>
-            </a:br>
-            <a:r>
-              <a:rPr lang="de-DE" b="1" dirty="0" err="1" smtClean="0">
-                <a:solidFill>
-                  <a:schemeClr val="bg1"/>
-                </a:solidFill>
-              </a:rPr>
-              <a:t>set</a:t>
-            </a:r>
-            <a:r>
-              <a:rPr lang="de-DE" b="1" dirty="0" smtClean="0">
-                <a:solidFill>
-                  <a:schemeClr val="bg1"/>
-                </a:solidFill>
-              </a:rPr>
-              <a:t> </a:t>
-            </a:r>
-            <a:r>
-              <a:rPr lang="de-DE" b="1" dirty="0" err="1" smtClean="0">
+              <a:rPr lang="de-DE" b="1" dirty="0" err="1">
                 <a:solidFill>
                   <a:schemeClr val="bg1"/>
                 </a:solidFill>
@@ -3869,18 +4247,13 @@
               <a:t>Sreaming</a:t>
             </a:r>
             <a:r>
-              <a:rPr lang="de-DE" b="1" dirty="0" smtClean="0">
+              <a:rPr lang="de-DE" b="1" dirty="0">
                 <a:solidFill>
                   <a:schemeClr val="bg1"/>
                 </a:solidFill>
               </a:rPr>
               <a:t> Server 4</a:t>
             </a:r>
-            <a:endParaRPr lang="de-DE" b="1" dirty="0">
-              <a:solidFill>
-                <a:schemeClr val="bg1"/>
-              </a:solidFill>
-            </a:endParaRPr>
           </a:p>
         </p:txBody>
       </p:sp>
@@ -3916,7 +4289,7 @@
           <a:lstStyle/>
           <a:p>
             <a:r>
-              <a:rPr lang="de-DE" dirty="0" smtClean="0">
+              <a:rPr lang="de-DE" dirty="0">
                 <a:solidFill>
                   <a:schemeClr val="bg1"/>
                 </a:solidFill>
@@ -3931,7 +4304,7 @@
               <a:t>Steht folgende Abschlussmeldung im Browser, ist der </a:t>
             </a:r>
             <a:r>
-              <a:rPr lang="de-DE" dirty="0" err="1" smtClean="0">
+              <a:rPr lang="de-DE" dirty="0" err="1">
                 <a:solidFill>
                   <a:schemeClr val="bg1"/>
                 </a:solidFill>
@@ -3946,7 +4319,7 @@
               <a:t>UltraStream</a:t>
             </a:r>
             <a:r>
-              <a:rPr lang="de-DE" dirty="0" smtClean="0">
+              <a:rPr lang="de-DE" dirty="0">
                 <a:solidFill>
                   <a:schemeClr val="bg1"/>
                 </a:solidFill>
@@ -3963,7 +4336,7 @@
           </a:p>
           <a:p>
             <a:r>
-              <a:rPr lang="de-DE" dirty="0" smtClean="0">
+              <a:rPr lang="de-DE" dirty="0">
                 <a:solidFill>
                   <a:schemeClr val="bg1"/>
                 </a:solidFill>
@@ -3980,7 +4353,7 @@
           </a:p>
           <a:p>
             <a:r>
-              <a:rPr lang="de-DE" dirty="0" err="1" smtClean="0">
+              <a:rPr lang="de-DE" dirty="0" err="1">
                 <a:solidFill>
                   <a:schemeClr val="bg1"/>
                 </a:solidFill>
@@ -3995,7 +4368,7 @@
               <a:t>PreChurchCheck</a:t>
             </a:r>
             <a:r>
-              <a:rPr lang="de-DE" dirty="0" smtClean="0">
+              <a:rPr lang="de-DE" dirty="0">
                 <a:solidFill>
                   <a:schemeClr val="bg1"/>
                 </a:solidFill>
@@ -4010,7 +4383,7 @@
               <a:t> </a:t>
             </a:r>
             <a:r>
-              <a:rPr lang="de-DE" dirty="0" err="1" smtClean="0">
+              <a:rPr lang="de-DE" dirty="0" err="1">
                 <a:solidFill>
                   <a:schemeClr val="bg1"/>
                 </a:solidFill>
@@ -4025,7 +4398,7 @@
               <a:t>Steps</a:t>
             </a:r>
             <a:r>
-              <a:rPr lang="de-DE" dirty="0" smtClean="0">
+              <a:rPr lang="de-DE" dirty="0">
                 <a:solidFill>
                   <a:schemeClr val="bg1"/>
                 </a:solidFill>
@@ -4041,7 +4414,7 @@
             </a:r>
           </a:p>
           <a:p>
-            <a:endParaRPr lang="de-DE" dirty="0" smtClean="0">
+            <a:endParaRPr lang="de-DE" dirty="0">
               <a:solidFill>
                 <a:schemeClr val="bg1"/>
               </a:solidFill>
@@ -4099,13 +4472,6 @@
   <p:clrMapOvr>
     <a:masterClrMapping/>
   </p:clrMapOvr>
-  <p:timing>
-    <p:tnLst>
-      <p:par>
-        <p:cTn id="1" dur="indefinite" restart="never" nodeType="tmRoot"/>
-      </p:par>
-    </p:tnLst>
-  </p:timing>
 </p:sld>
 </file>
 
@@ -4169,7 +4535,7 @@
           <a:lstStyle/>
           <a:p>
             <a:r>
-              <a:rPr lang="de-DE" b="1" dirty="0" err="1" smtClean="0">
+              <a:rPr lang="de-DE" b="1" dirty="0" err="1">
                 <a:solidFill>
                   <a:schemeClr val="bg1"/>
                 </a:solidFill>
@@ -4177,49 +4543,28 @@
               <a:t>ResetUltraStream</a:t>
             </a:r>
             <a:r>
-              <a:rPr lang="de-DE" b="1" dirty="0" smtClean="0">
-                <a:solidFill>
-                  <a:schemeClr val="bg1"/>
-                </a:solidFill>
-              </a:rPr>
-              <a:t> </a:t>
-            </a:r>
-            <a:r>
-              <a:rPr lang="de-DE" b="1" dirty="0" smtClean="0">
-                <a:solidFill>
-                  <a:schemeClr val="bg1"/>
-                </a:solidFill>
-              </a:rPr>
-              <a:t>2</a:t>
-            </a:r>
-            <a:r>
-              <a:rPr lang="de-DE" b="1" dirty="0" smtClean="0">
-                <a:solidFill>
-                  <a:schemeClr val="bg1"/>
-                </a:solidFill>
-              </a:rPr>
-              <a:t/>
+              <a:rPr lang="de-DE" b="1" dirty="0">
+                <a:solidFill>
+                  <a:schemeClr val="bg1"/>
+                </a:solidFill>
+              </a:rPr>
+              <a:t> 2</a:t>
             </a:r>
             <a:br>
-              <a:rPr lang="de-DE" b="1" dirty="0" smtClean="0">
+              <a:rPr lang="de-DE" b="1" dirty="0">
                 <a:solidFill>
                   <a:schemeClr val="bg1"/>
                 </a:solidFill>
               </a:rPr>
             </a:br>
             <a:r>
-              <a:rPr lang="de-DE" b="1" dirty="0" smtClean="0">
+              <a:rPr lang="de-DE" b="1" dirty="0">
                 <a:solidFill>
                   <a:schemeClr val="bg1"/>
                 </a:solidFill>
               </a:rPr>
               <a:t>State Support 2</a:t>
             </a:r>
-            <a:endParaRPr lang="de-DE" b="1" dirty="0">
-              <a:solidFill>
-                <a:schemeClr val="bg1"/>
-              </a:solidFill>
-            </a:endParaRPr>
           </a:p>
         </p:txBody>
       </p:sp>
@@ -4255,7 +4600,7 @@
           <a:lstStyle/>
           <a:p>
             <a:r>
-              <a:rPr lang="de-DE" dirty="0" smtClean="0">
+              <a:rPr lang="de-DE" dirty="0">
                 <a:solidFill>
                   <a:schemeClr val="bg1"/>
                 </a:solidFill>
@@ -4272,7 +4617,7 @@
           </a:p>
           <a:p>
             <a:r>
-              <a:rPr lang="de-DE" dirty="0" smtClean="0">
+              <a:rPr lang="de-DE" dirty="0">
                 <a:solidFill>
                   <a:schemeClr val="bg1"/>
                 </a:solidFill>
@@ -4287,7 +4632,7 @@
               <a:t>Der Report ist für den </a:t>
             </a:r>
             <a:r>
-              <a:rPr lang="de-DE" dirty="0" err="1" smtClean="0">
+              <a:rPr lang="de-DE" dirty="0" err="1">
                 <a:solidFill>
                   <a:schemeClr val="bg1"/>
                 </a:solidFill>
@@ -4302,7 +4647,7 @@
               <a:t>Megawell</a:t>
             </a:r>
             <a:r>
-              <a:rPr lang="de-DE" dirty="0" smtClean="0">
+              <a:rPr lang="de-DE" dirty="0">
                 <a:solidFill>
                   <a:schemeClr val="bg1"/>
                 </a:solidFill>
@@ -4317,7 +4662,7 @@
               <a:t> </a:t>
             </a:r>
             <a:r>
-              <a:rPr lang="de-DE" dirty="0" err="1" smtClean="0">
+              <a:rPr lang="de-DE" dirty="0" err="1">
                 <a:solidFill>
                   <a:schemeClr val="bg1"/>
                 </a:solidFill>
@@ -4332,7 +4677,7 @@
               <a:t>Support,diesen</a:t>
             </a:r>
             <a:r>
-              <a:rPr lang="de-DE" dirty="0" smtClean="0">
+              <a:rPr lang="de-DE" dirty="0">
                 <a:solidFill>
                   <a:schemeClr val="bg1"/>
                 </a:solidFill>
@@ -4346,7 +4691,12 @@
               </a:rPr>
               <a:t> an René, Lukas oder Christoph weiterleiten.</a:t>
             </a:r>
-            <a:endParaRPr lang="de-DE" dirty="0" smtClean="0">
+          </a:p>
+          <a:p>
+            <a:pPr>
+              <a:buNone/>
+            </a:pPr>
+            <a:endParaRPr lang="de-DE" dirty="0">
               <a:solidFill>
                 <a:schemeClr val="bg1"/>
               </a:solidFill>
@@ -4360,10 +4710,7 @@
             </a:endParaRPr>
           </a:p>
           <a:p>
-            <a:pPr>
-              <a:buNone/>
-            </a:pPr>
-            <a:endParaRPr lang="de-DE" dirty="0" smtClean="0">
+            <a:endParaRPr lang="de-DE" dirty="0">
               <a:solidFill>
                 <a:schemeClr val="bg1"/>
               </a:solidFill>
@@ -4377,7 +4724,7 @@
             </a:endParaRPr>
           </a:p>
           <a:p>
-            <a:endParaRPr lang="de-DE" dirty="0" smtClean="0">
+            <a:endParaRPr lang="de-DE" dirty="0">
               <a:solidFill>
                 <a:schemeClr val="bg1"/>
               </a:solidFill>
@@ -4391,21 +4738,7 @@
             </a:endParaRPr>
           </a:p>
           <a:p>
-            <a:endParaRPr lang="de-DE" dirty="0" smtClean="0">
-              <a:solidFill>
-                <a:schemeClr val="bg1"/>
-              </a:solidFill>
-              <a:effectLst>
-                <a:outerShdw blurRad="50800" dist="50800" dir="5400000" algn="ctr" rotWithShape="0">
-                  <a:srgbClr val="000000">
-                    <a:alpha val="0"/>
-                  </a:srgbClr>
-                </a:outerShdw>
-              </a:effectLst>
-            </a:endParaRPr>
-          </a:p>
-          <a:p>
-            <a:endParaRPr lang="de-DE" dirty="0" smtClean="0">
+            <a:endParaRPr lang="de-DE" dirty="0">
               <a:solidFill>
                 <a:schemeClr val="bg1"/>
               </a:solidFill>
@@ -4463,13 +4796,6 @@
   <p:clrMapOvr>
     <a:masterClrMapping/>
   </p:clrMapOvr>
-  <p:timing>
-    <p:tnLst>
-      <p:par>
-        <p:cTn id="1" dur="indefinite" restart="never" nodeType="tmRoot"/>
-      </p:par>
-    </p:tnLst>
-  </p:timing>
 </p:sld>
 </file>
 
@@ -4533,7 +4859,7 @@
           <a:lstStyle/>
           <a:p>
             <a:r>
-              <a:rPr lang="de-DE" b="1" dirty="0" err="1" smtClean="0">
+              <a:rPr lang="de-DE" b="1" dirty="0" err="1">
                 <a:solidFill>
                   <a:schemeClr val="bg1"/>
                 </a:solidFill>
@@ -4541,51 +4867,35 @@
               <a:t>ResetUltraStream</a:t>
             </a:r>
             <a:r>
-              <a:rPr lang="de-DE" b="1" dirty="0" smtClean="0">
-                <a:solidFill>
-                  <a:schemeClr val="bg1"/>
-                </a:solidFill>
-              </a:rPr>
-              <a:t> </a:t>
-            </a:r>
-            <a:r>
-              <a:rPr lang="de-DE" b="1" dirty="0" smtClean="0">
-                <a:solidFill>
-                  <a:schemeClr val="bg1"/>
-                </a:solidFill>
-              </a:rPr>
-              <a:t>3</a:t>
-            </a:r>
-            <a:r>
-              <a:rPr lang="de-DE" b="1" dirty="0" smtClean="0">
-                <a:solidFill>
-                  <a:schemeClr val="bg1"/>
-                </a:solidFill>
-              </a:rPr>
-              <a:t/>
+              <a:rPr lang="de-DE" b="1" dirty="0">
+                <a:solidFill>
+                  <a:schemeClr val="bg1"/>
+                </a:solidFill>
+              </a:rPr>
+              <a:t> 3</a:t>
             </a:r>
             <a:br>
-              <a:rPr lang="de-DE" b="1" dirty="0" smtClean="0">
+              <a:rPr lang="de-DE" b="1" dirty="0">
                 <a:solidFill>
                   <a:schemeClr val="bg1"/>
                 </a:solidFill>
               </a:rPr>
             </a:br>
             <a:r>
-              <a:rPr lang="de-DE" b="1" dirty="0" smtClean="0">
-                <a:solidFill>
-                  <a:schemeClr val="bg1"/>
-                </a:solidFill>
-              </a:rPr>
-              <a:t>open </a:t>
-            </a:r>
-            <a:r>
-              <a:rPr lang="de-DE" b="1" dirty="0" smtClean="0">
-                <a:solidFill>
-                  <a:schemeClr val="bg1"/>
-                </a:solidFill>
-              </a:rPr>
-              <a:t>Web UI</a:t>
+              <a:rPr lang="de-DE" b="1" dirty="0">
+                <a:solidFill>
+                  <a:schemeClr val="bg1"/>
+                </a:solidFill>
+              </a:rPr>
+              <a:t>Re- </a:t>
+            </a:r>
+            <a:r>
+              <a:rPr lang="de-DE" b="1" dirty="0" err="1">
+                <a:solidFill>
+                  <a:schemeClr val="bg1"/>
+                </a:solidFill>
+              </a:rPr>
+              <a:t>login</a:t>
             </a:r>
             <a:endParaRPr lang="de-DE" b="1" dirty="0">
               <a:solidFill>
@@ -4613,8 +4923,8 @@
         </p:nvSpPr>
         <p:spPr>
           <a:xfrm>
-            <a:off x="425303" y="2062716"/>
-            <a:ext cx="6220046" cy="2392325"/>
+            <a:off x="425303" y="2062715"/>
+            <a:ext cx="5837274" cy="3402663"/>
           </a:xfrm>
           <a:solidFill>
             <a:schemeClr val="tx1"/>
@@ -4622,91 +4932,180 @@
         </p:spPr>
         <p:txBody>
           <a:bodyPr>
-            <a:normAutofit fontScale="92500" lnSpcReduction="10000"/>
+            <a:normAutofit fontScale="85000" lnSpcReduction="10000"/>
           </a:bodyPr>
           <a:lstStyle/>
           <a:p>
             <a:r>
-              <a:rPr lang="de-DE" dirty="0" err="1" smtClean="0">
-                <a:solidFill>
-                  <a:schemeClr val="bg1"/>
-                </a:solidFill>
-                <a:effectLst>
-                  <a:outerShdw blurRad="50800" dist="50800" dir="5400000" algn="ctr" rotWithShape="0">
-                    <a:srgbClr val="000000">
-                      <a:alpha val="0"/>
-                    </a:srgbClr>
-                  </a:outerShdw>
-                </a:effectLst>
-              </a:rPr>
-              <a:t>UltraStream</a:t>
-            </a:r>
-            <a:r>
-              <a:rPr lang="de-DE" dirty="0" smtClean="0">
-                <a:solidFill>
-                  <a:schemeClr val="bg1"/>
-                </a:solidFill>
-                <a:effectLst>
-                  <a:outerShdw blurRad="50800" dist="50800" dir="5400000" algn="ctr" rotWithShape="0">
-                    <a:srgbClr val="000000">
-                      <a:alpha val="0"/>
-                    </a:srgbClr>
-                  </a:outerShdw>
-                </a:effectLst>
-              </a:rPr>
-              <a:t> Web User Interface mit Pfeiltaste öffnen</a:t>
-            </a:r>
-          </a:p>
-          <a:p>
-            <a:r>
-              <a:rPr lang="de-DE" dirty="0" smtClean="0">
-                <a:solidFill>
-                  <a:schemeClr val="bg1"/>
-                </a:solidFill>
-                <a:effectLst>
-                  <a:outerShdw blurRad="50800" dist="50800" dir="5400000" algn="ctr" rotWithShape="0">
-                    <a:srgbClr val="000000">
-                      <a:alpha val="0"/>
-                    </a:srgbClr>
-                  </a:outerShdw>
-                </a:effectLst>
-              </a:rPr>
-              <a:t>Einloggen mit User: Admin Password: Admin</a:t>
-            </a:r>
-          </a:p>
-          <a:p>
-            <a:r>
-              <a:rPr lang="de-DE" dirty="0" smtClean="0">
-                <a:solidFill>
-                  <a:schemeClr val="bg1"/>
-                </a:solidFill>
-                <a:effectLst>
-                  <a:outerShdw blurRad="50800" dist="50800" dir="5400000" algn="ctr" rotWithShape="0">
-                    <a:srgbClr val="000000">
-                      <a:alpha val="0"/>
-                    </a:srgbClr>
-                  </a:outerShdw>
-                </a:effectLst>
-              </a:rPr>
-              <a:t>in General Settings wechseln, hoch scrollen und </a:t>
-            </a:r>
-            <a:r>
-              <a:rPr lang="de-DE" dirty="0" err="1" smtClean="0">
-                <a:solidFill>
-                  <a:schemeClr val="bg1"/>
-                </a:solidFill>
-                <a:effectLst>
-                  <a:outerShdw blurRad="50800" dist="50800" dir="5400000" algn="ctr" rotWithShape="0">
-                    <a:srgbClr val="000000">
-                      <a:alpha val="0"/>
-                    </a:srgbClr>
-                  </a:outerShdw>
-                </a:effectLst>
-              </a:rPr>
-              <a:t>Advanced</a:t>
-            </a:r>
-            <a:r>
-              <a:rPr lang="de-DE" dirty="0" smtClean="0">
+              <a:rPr lang="de-DE" dirty="0">
+                <a:solidFill>
+                  <a:schemeClr val="bg1"/>
+                </a:solidFill>
+                <a:effectLst>
+                  <a:outerShdw blurRad="50800" dist="50800" dir="5400000" algn="ctr" rotWithShape="0">
+                    <a:srgbClr val="000000">
+                      <a:alpha val="0"/>
+                    </a:srgbClr>
+                  </a:outerShdw>
+                </a:effectLst>
+              </a:rPr>
+              <a:t>Menü Streaming Server öffnen, hoch scrollen und </a:t>
+            </a:r>
+            <a:r>
+              <a:rPr lang="de-DE" b="1" dirty="0">
+                <a:solidFill>
+                  <a:schemeClr val="bg1"/>
+                </a:solidFill>
+                <a:effectLst>
+                  <a:outerShdw blurRad="50800" dist="50800" dir="5400000" algn="ctr" rotWithShape="0">
+                    <a:srgbClr val="000000">
+                      <a:alpha val="0"/>
+                    </a:srgbClr>
+                  </a:outerShdw>
+                </a:effectLst>
+              </a:rPr>
+              <a:t>Edit</a:t>
+            </a:r>
+            <a:r>
+              <a:rPr lang="de-DE" dirty="0">
+                <a:solidFill>
+                  <a:schemeClr val="bg1"/>
+                </a:solidFill>
+                <a:effectLst>
+                  <a:outerShdw blurRad="50800" dist="50800" dir="5400000" algn="ctr" rotWithShape="0">
+                    <a:srgbClr val="000000">
+                      <a:alpha val="0"/>
+                    </a:srgbClr>
+                  </a:outerShdw>
+                </a:effectLst>
+              </a:rPr>
+              <a:t> Button</a:t>
+            </a:r>
+          </a:p>
+          <a:p>
+            <a:r>
+              <a:rPr lang="de-DE" dirty="0">
+                <a:solidFill>
+                  <a:schemeClr val="bg1"/>
+                </a:solidFill>
+                <a:effectLst>
+                  <a:outerShdw blurRad="50800" dist="50800" dir="5400000" algn="ctr" rotWithShape="0">
+                    <a:srgbClr val="000000">
+                      <a:alpha val="0"/>
+                    </a:srgbClr>
+                  </a:outerShdw>
+                </a:effectLst>
+              </a:rPr>
+              <a:t>Refresh – Button und Re- </a:t>
+            </a:r>
+            <a:r>
+              <a:rPr lang="de-DE" dirty="0" err="1">
+                <a:solidFill>
+                  <a:schemeClr val="bg1"/>
+                </a:solidFill>
+                <a:effectLst>
+                  <a:outerShdw blurRad="50800" dist="50800" dir="5400000" algn="ctr" rotWithShape="0">
+                    <a:srgbClr val="000000">
+                      <a:alpha val="0"/>
+                    </a:srgbClr>
+                  </a:outerShdw>
+                </a:effectLst>
+              </a:rPr>
+              <a:t>login</a:t>
+            </a:r>
+            <a:r>
+              <a:rPr lang="de-DE" dirty="0">
+                <a:solidFill>
+                  <a:schemeClr val="bg1"/>
+                </a:solidFill>
+                <a:effectLst>
+                  <a:outerShdw blurRad="50800" dist="50800" dir="5400000" algn="ctr" rotWithShape="0">
+                    <a:srgbClr val="000000">
+                      <a:alpha val="0"/>
+                    </a:srgbClr>
+                  </a:outerShdw>
+                </a:effectLst>
+              </a:rPr>
+              <a:t>  betätigen</a:t>
+            </a:r>
+          </a:p>
+          <a:p>
+            <a:r>
+              <a:rPr lang="de-DE" dirty="0">
+                <a:solidFill>
+                  <a:schemeClr val="bg1"/>
+                </a:solidFill>
+                <a:effectLst>
+                  <a:outerShdw blurRad="50800" dist="50800" dir="5400000" algn="ctr" rotWithShape="0">
+                    <a:srgbClr val="000000">
+                      <a:alpha val="0"/>
+                    </a:srgbClr>
+                  </a:outerShdw>
+                </a:effectLst>
+              </a:rPr>
+              <a:t>Weiter mit Folie </a:t>
+            </a:r>
+            <a:r>
+              <a:rPr lang="de-DE" b="1" dirty="0" err="1">
+                <a:solidFill>
+                  <a:schemeClr val="bg1"/>
+                </a:solidFill>
+                <a:effectLst>
+                  <a:outerShdw blurRad="50800" dist="50800" dir="5400000" algn="ctr" rotWithShape="0">
+                    <a:srgbClr val="000000">
+                      <a:alpha val="0"/>
+                    </a:srgbClr>
+                  </a:outerShdw>
+                </a:effectLst>
+              </a:rPr>
+              <a:t>ResetUltraStream</a:t>
+            </a:r>
+            <a:r>
+              <a:rPr lang="de-DE" b="1" dirty="0">
+                <a:solidFill>
+                  <a:schemeClr val="bg1"/>
+                </a:solidFill>
+                <a:effectLst>
+                  <a:outerShdw blurRad="50800" dist="50800" dir="5400000" algn="ctr" rotWithShape="0">
+                    <a:srgbClr val="000000">
+                      <a:alpha val="0"/>
+                    </a:srgbClr>
+                  </a:outerShdw>
+                </a:effectLst>
+              </a:rPr>
+              <a:t> 10</a:t>
+            </a:r>
+            <a:br>
+              <a:rPr lang="de-DE" b="1" dirty="0">
+                <a:solidFill>
+                  <a:schemeClr val="bg1"/>
+                </a:solidFill>
+                <a:effectLst>
+                  <a:outerShdw blurRad="50800" dist="50800" dir="5400000" algn="ctr" rotWithShape="0">
+                    <a:srgbClr val="000000">
+                      <a:alpha val="0"/>
+                    </a:srgbClr>
+                  </a:outerShdw>
+                </a:effectLst>
+              </a:rPr>
+            </a:br>
+            <a:r>
+              <a:rPr lang="de-DE" b="1" dirty="0" err="1">
+                <a:solidFill>
+                  <a:schemeClr val="bg1"/>
+                </a:solidFill>
+                <a:effectLst>
+                  <a:outerShdw blurRad="50800" dist="50800" dir="5400000" algn="ctr" rotWithShape="0">
+                    <a:srgbClr val="000000">
+                      <a:alpha val="0"/>
+                    </a:srgbClr>
+                  </a:outerShdw>
+                </a:effectLst>
+              </a:rPr>
+              <a:t>set</a:t>
+            </a:r>
+            <a:r>
+              <a:rPr lang="de-DE" b="1" dirty="0">
                 <a:solidFill>
                   <a:schemeClr val="bg1"/>
                 </a:solidFill>
@@ -4721,36 +5120,256 @@
               <a:t> </a:t>
             </a:r>
             <a:r>
-              <a:rPr lang="de-DE" dirty="0" err="1" smtClean="0">
-                <a:solidFill>
-                  <a:schemeClr val="bg1"/>
-                </a:solidFill>
-                <a:effectLst>
-                  <a:outerShdw blurRad="50800" dist="50800" dir="5400000" algn="ctr" rotWithShape="0">
-                    <a:srgbClr val="000000">
-                      <a:alpha val="0"/>
-                    </a:srgbClr>
-                  </a:outerShdw>
-                </a:effectLst>
-              </a:rPr>
-              <a:t>settings</a:t>
-            </a:r>
-            <a:r>
-              <a:rPr lang="de-DE" dirty="0" smtClean="0">
-                <a:solidFill>
-                  <a:schemeClr val="bg1"/>
-                </a:solidFill>
-                <a:effectLst>
-                  <a:outerShdw blurRad="50800" dist="50800" dir="5400000" algn="ctr" rotWithShape="0">
-                    <a:srgbClr val="000000">
-                      <a:alpha val="0"/>
-                    </a:srgbClr>
-                  </a:outerShdw>
-                </a:effectLst>
-              </a:rPr>
-              <a:t> wählen</a:t>
-            </a:r>
-            <a:endParaRPr lang="de-DE" dirty="0" smtClean="0">
+              <a:rPr lang="de-DE" b="1" dirty="0" err="1">
+                <a:solidFill>
+                  <a:schemeClr val="bg1"/>
+                </a:solidFill>
+                <a:effectLst>
+                  <a:outerShdw blurRad="50800" dist="50800" dir="5400000" algn="ctr" rotWithShape="0">
+                    <a:srgbClr val="000000">
+                      <a:alpha val="0"/>
+                    </a:srgbClr>
+                  </a:outerShdw>
+                </a:effectLst>
+              </a:rPr>
+              <a:t>Sreaming</a:t>
+            </a:r>
+            <a:r>
+              <a:rPr lang="de-DE" b="1" dirty="0">
+                <a:solidFill>
+                  <a:schemeClr val="bg1"/>
+                </a:solidFill>
+                <a:effectLst>
+                  <a:outerShdw blurRad="50800" dist="50800" dir="5400000" algn="ctr" rotWithShape="0">
+                    <a:srgbClr val="000000">
+                      <a:alpha val="0"/>
+                    </a:srgbClr>
+                  </a:outerShdw>
+                </a:effectLst>
+              </a:rPr>
+              <a:t> Server 2 </a:t>
+            </a:r>
+            <a:r>
+              <a:rPr lang="de-DE" dirty="0">
+                <a:solidFill>
+                  <a:schemeClr val="bg1"/>
+                </a:solidFill>
+                <a:effectLst>
+                  <a:outerShdw blurRad="50800" dist="50800" dir="5400000" algn="ctr" rotWithShape="0">
+                    <a:srgbClr val="000000">
+                      <a:alpha val="0"/>
+                    </a:srgbClr>
+                  </a:outerShdw>
+                </a:effectLst>
+              </a:rPr>
+              <a:t>(</a:t>
+            </a:r>
+            <a:r>
+              <a:rPr lang="de-DE" dirty="0">
+                <a:solidFill>
+                  <a:srgbClr val="FF0000"/>
+                </a:solidFill>
+                <a:effectLst>
+                  <a:outerShdw blurRad="50800" dist="50800" dir="5400000" algn="ctr" rotWithShape="0">
+                    <a:srgbClr val="000000">
+                      <a:alpha val="0"/>
+                    </a:srgbClr>
+                  </a:outerShdw>
+                </a:effectLst>
+                <a:highlight>
+                  <a:srgbClr val="00FF00"/>
+                </a:highlight>
+              </a:rPr>
+              <a:t>partial </a:t>
+            </a:r>
+            <a:r>
+              <a:rPr lang="de-DE" dirty="0" err="1">
+                <a:solidFill>
+                  <a:srgbClr val="FF0000"/>
+                </a:solidFill>
+                <a:effectLst>
+                  <a:outerShdw blurRad="50800" dist="50800" dir="5400000" algn="ctr" rotWithShape="0">
+                    <a:srgbClr val="000000">
+                      <a:alpha val="0"/>
+                    </a:srgbClr>
+                  </a:outerShdw>
+                </a:effectLst>
+                <a:highlight>
+                  <a:srgbClr val="00FF00"/>
+                </a:highlight>
+              </a:rPr>
+              <a:t>reset</a:t>
+            </a:r>
+            <a:r>
+              <a:rPr lang="de-DE" dirty="0">
+                <a:solidFill>
+                  <a:schemeClr val="bg1"/>
+                </a:solidFill>
+                <a:effectLst>
+                  <a:outerShdw blurRad="50800" dist="50800" dir="5400000" algn="ctr" rotWithShape="0">
+                    <a:srgbClr val="000000">
+                      <a:alpha val="0"/>
+                    </a:srgbClr>
+                  </a:outerShdw>
+                </a:effectLst>
+              </a:rPr>
+              <a:t>)</a:t>
+            </a:r>
+          </a:p>
+          <a:p>
+            <a:r>
+              <a:rPr lang="de-DE" dirty="0">
+                <a:solidFill>
+                  <a:schemeClr val="bg1"/>
+                </a:solidFill>
+                <a:effectLst>
+                  <a:outerShdw blurRad="50800" dist="50800" dir="5400000" algn="ctr" rotWithShape="0">
+                    <a:srgbClr val="000000">
+                      <a:alpha val="0"/>
+                    </a:srgbClr>
+                  </a:outerShdw>
+                </a:effectLst>
+              </a:rPr>
+              <a:t>Ist die Datenrate nach  Re- </a:t>
+            </a:r>
+            <a:r>
+              <a:rPr lang="de-DE" dirty="0" err="1">
+                <a:solidFill>
+                  <a:schemeClr val="bg1"/>
+                </a:solidFill>
+                <a:effectLst>
+                  <a:outerShdw blurRad="50800" dist="50800" dir="5400000" algn="ctr" rotWithShape="0">
+                    <a:srgbClr val="000000">
+                      <a:alpha val="0"/>
+                    </a:srgbClr>
+                  </a:outerShdw>
+                </a:effectLst>
+              </a:rPr>
+              <a:t>login</a:t>
+            </a:r>
+            <a:r>
+              <a:rPr lang="de-DE" dirty="0">
+                <a:solidFill>
+                  <a:schemeClr val="bg1"/>
+                </a:solidFill>
+                <a:effectLst>
+                  <a:outerShdw blurRad="50800" dist="50800" dir="5400000" algn="ctr" rotWithShape="0">
+                    <a:srgbClr val="000000">
+                      <a:alpha val="0"/>
+                    </a:srgbClr>
+                  </a:outerShdw>
+                </a:effectLst>
+              </a:rPr>
+              <a:t> immer noch kleiner 1Mbit/s, muss der komplette </a:t>
+            </a:r>
+            <a:r>
+              <a:rPr lang="de-DE" dirty="0" err="1">
+                <a:solidFill>
+                  <a:schemeClr val="bg1"/>
+                </a:solidFill>
+                <a:effectLst>
+                  <a:outerShdw blurRad="50800" dist="50800" dir="5400000" algn="ctr" rotWithShape="0">
+                    <a:srgbClr val="000000">
+                      <a:alpha val="0"/>
+                    </a:srgbClr>
+                  </a:outerShdw>
+                </a:effectLst>
+              </a:rPr>
+              <a:t>Ultrastream</a:t>
+            </a:r>
+            <a:r>
+              <a:rPr lang="de-DE" dirty="0">
+                <a:solidFill>
+                  <a:schemeClr val="bg1"/>
+                </a:solidFill>
+                <a:effectLst>
+                  <a:outerShdw blurRad="50800" dist="50800" dir="5400000" algn="ctr" rotWithShape="0">
+                    <a:srgbClr val="000000">
+                      <a:alpha val="0"/>
+                    </a:srgbClr>
+                  </a:outerShdw>
+                </a:effectLst>
+              </a:rPr>
+              <a:t> zurückgesetzt werden, in diesem Fall weiter mit Folie 4 (</a:t>
+            </a:r>
+            <a:r>
+              <a:rPr lang="de-DE" dirty="0" err="1">
+                <a:solidFill>
+                  <a:schemeClr val="tx1">
+                    <a:lumMod val="95000"/>
+                  </a:schemeClr>
+                </a:solidFill>
+                <a:effectLst>
+                  <a:outerShdw blurRad="50800" dist="50800" dir="5400000" algn="ctr" rotWithShape="0">
+                    <a:srgbClr val="000000">
+                      <a:alpha val="0"/>
+                    </a:srgbClr>
+                  </a:outerShdw>
+                </a:effectLst>
+                <a:highlight>
+                  <a:srgbClr val="FF0000"/>
+                </a:highlight>
+              </a:rPr>
+              <a:t>full</a:t>
+            </a:r>
+            <a:r>
+              <a:rPr lang="de-DE" dirty="0">
+                <a:solidFill>
+                  <a:schemeClr val="tx1">
+                    <a:lumMod val="95000"/>
+                  </a:schemeClr>
+                </a:solidFill>
+                <a:effectLst>
+                  <a:outerShdw blurRad="50800" dist="50800" dir="5400000" algn="ctr" rotWithShape="0">
+                    <a:srgbClr val="000000">
+                      <a:alpha val="0"/>
+                    </a:srgbClr>
+                  </a:outerShdw>
+                </a:effectLst>
+                <a:highlight>
+                  <a:srgbClr val="FF0000"/>
+                </a:highlight>
+              </a:rPr>
+              <a:t> </a:t>
+            </a:r>
+            <a:r>
+              <a:rPr lang="de-DE" dirty="0" err="1">
+                <a:solidFill>
+                  <a:schemeClr val="tx1">
+                    <a:lumMod val="95000"/>
+                  </a:schemeClr>
+                </a:solidFill>
+                <a:effectLst>
+                  <a:outerShdw blurRad="50800" dist="50800" dir="5400000" algn="ctr" rotWithShape="0">
+                    <a:srgbClr val="000000">
+                      <a:alpha val="0"/>
+                    </a:srgbClr>
+                  </a:outerShdw>
+                </a:effectLst>
+                <a:highlight>
+                  <a:srgbClr val="FF0000"/>
+                </a:highlight>
+              </a:rPr>
+              <a:t>reset</a:t>
+            </a:r>
+            <a:r>
+              <a:rPr lang="de-DE" dirty="0">
+                <a:solidFill>
+                  <a:schemeClr val="bg1"/>
+                </a:solidFill>
+                <a:effectLst>
+                  <a:outerShdw blurRad="50800" dist="50800" dir="5400000" algn="ctr" rotWithShape="0">
+                    <a:srgbClr val="000000">
+                      <a:alpha val="0"/>
+                    </a:srgbClr>
+                  </a:outerShdw>
+                </a:effectLst>
+              </a:rPr>
+              <a:t>) </a:t>
+            </a:r>
+          </a:p>
+          <a:p>
+            <a:endParaRPr lang="de-DE" dirty="0">
               <a:solidFill>
                 <a:schemeClr val="bg1"/>
               </a:solidFill>
@@ -4764,7 +5383,552 @@
             </a:endParaRPr>
           </a:p>
           <a:p>
-            <a:endParaRPr lang="de-DE" dirty="0" smtClean="0">
+            <a:pPr>
+              <a:buNone/>
+            </a:pPr>
+            <a:endParaRPr lang="de-DE" dirty="0">
+              <a:solidFill>
+                <a:schemeClr val="bg1"/>
+              </a:solidFill>
+              <a:effectLst>
+                <a:outerShdw blurRad="50800" dist="50800" dir="5400000" algn="ctr" rotWithShape="0">
+                  <a:srgbClr val="000000">
+                    <a:alpha val="0"/>
+                  </a:srgbClr>
+                </a:outerShdw>
+              </a:effectLst>
+            </a:endParaRPr>
+          </a:p>
+          <a:p>
+            <a:endParaRPr lang="de-DE" sz="3300" dirty="0">
+              <a:solidFill>
+                <a:schemeClr val="bg1"/>
+              </a:solidFill>
+              <a:effectLst>
+                <a:outerShdw blurRad="50800" dist="50800" dir="5400000" algn="ctr" rotWithShape="0">
+                  <a:srgbClr val="000000">
+                    <a:alpha val="0"/>
+                  </a:srgbClr>
+                </a:outerShdw>
+              </a:effectLst>
+            </a:endParaRPr>
+          </a:p>
+          <a:p>
+            <a:endParaRPr lang="de-DE" dirty="0">
+              <a:solidFill>
+                <a:schemeClr val="bg1"/>
+              </a:solidFill>
+              <a:effectLst>
+                <a:outerShdw blurRad="50800" dist="50800" dir="5400000" algn="ctr" rotWithShape="0">
+                  <a:srgbClr val="000000">
+                    <a:alpha val="0"/>
+                  </a:srgbClr>
+                </a:outerShdw>
+              </a:effectLst>
+            </a:endParaRPr>
+          </a:p>
+          <a:p>
+            <a:endParaRPr lang="de-DE" dirty="0">
+              <a:solidFill>
+                <a:schemeClr val="bg1"/>
+              </a:solidFill>
+              <a:effectLst>
+                <a:outerShdw blurRad="50800" dist="50800" dir="5400000" algn="ctr" rotWithShape="0">
+                  <a:srgbClr val="000000">
+                    <a:alpha val="0"/>
+                  </a:srgbClr>
+                </a:outerShdw>
+              </a:effectLst>
+            </a:endParaRPr>
+          </a:p>
+        </p:txBody>
+      </p:sp>
+      <p:pic>
+        <p:nvPicPr>
+          <p:cNvPr id="5" name="Picture 2">
+            <a:extLst>
+              <a:ext uri="{FF2B5EF4-FFF2-40B4-BE49-F238E27FC236}">
+                <a16:creationId xmlns:a16="http://schemas.microsoft.com/office/drawing/2014/main" xmlns="" id="{BB67CDB6-0B69-4255-8100-F607BF5C0E41}"/>
+              </a:ext>
+            </a:extLst>
+          </p:cNvPr>
+          <p:cNvPicPr>
+            <a:picLocks noChangeAspect="1" noChangeArrowheads="1"/>
+          </p:cNvPicPr>
+          <p:nvPr/>
+        </p:nvPicPr>
+        <p:blipFill>
+          <a:blip r:embed="rId2"/>
+          <a:srcRect/>
+          <a:stretch>
+            <a:fillRect/>
+          </a:stretch>
+        </p:blipFill>
+        <p:spPr bwMode="auto">
+          <a:xfrm>
+            <a:off x="6262577" y="472817"/>
+            <a:ext cx="5621003" cy="3115671"/>
+          </a:xfrm>
+          <a:prstGeom prst="rect">
+            <a:avLst/>
+          </a:prstGeom>
+          <a:noFill/>
+          <a:ln w="9525">
+            <a:noFill/>
+            <a:miter lim="800000"/>
+            <a:headEnd/>
+            <a:tailEnd/>
+          </a:ln>
+          <a:effectLst/>
+        </p:spPr>
+      </p:pic>
+      <p:pic>
+        <p:nvPicPr>
+          <p:cNvPr id="6" name="Grafik 5">
+            <a:extLst>
+              <a:ext uri="{FF2B5EF4-FFF2-40B4-BE49-F238E27FC236}">
+                <a16:creationId xmlns:a16="http://schemas.microsoft.com/office/drawing/2014/main" xmlns="" id="{47972D21-65AD-4A85-A926-8D1251EDD1BB}"/>
+              </a:ext>
+            </a:extLst>
+          </p:cNvPr>
+          <p:cNvPicPr>
+            <a:picLocks noChangeAspect="1"/>
+          </p:cNvPicPr>
+          <p:nvPr/>
+        </p:nvPicPr>
+        <p:blipFill>
+          <a:blip r:embed="rId3"/>
+          <a:stretch>
+            <a:fillRect/>
+          </a:stretch>
+        </p:blipFill>
+        <p:spPr>
+          <a:xfrm>
+            <a:off x="6262577" y="3599537"/>
+            <a:ext cx="5621003" cy="3029760"/>
+          </a:xfrm>
+          <a:prstGeom prst="rect">
+            <a:avLst/>
+          </a:prstGeom>
+        </p:spPr>
+      </p:pic>
+      <p:sp>
+        <p:nvSpPr>
+          <p:cNvPr id="4" name="Pfeil: nach rechts 3">
+            <a:hlinkClick r:id="rId4" action="ppaction://hlinksldjump"/>
+            <a:extLst>
+              <a:ext uri="{FF2B5EF4-FFF2-40B4-BE49-F238E27FC236}">
+                <a16:creationId xmlns:a16="http://schemas.microsoft.com/office/drawing/2014/main" xmlns="" id="{59AA9D36-77D7-4CC6-B28A-D8359F30C775}"/>
+              </a:ext>
+            </a:extLst>
+          </p:cNvPr>
+          <p:cNvSpPr/>
+          <p:nvPr/>
+        </p:nvSpPr>
+        <p:spPr>
+          <a:xfrm>
+            <a:off x="701628" y="5913605"/>
+            <a:ext cx="1918504" cy="571278"/>
+          </a:xfrm>
+          <a:prstGeom prst="rightArrow">
+            <a:avLst/>
+          </a:prstGeom>
+        </p:spPr>
+        <p:style>
+          <a:lnRef idx="2">
+            <a:schemeClr val="accent6">
+              <a:shade val="50000"/>
+            </a:schemeClr>
+          </a:lnRef>
+          <a:fillRef idx="1">
+            <a:schemeClr val="accent6"/>
+          </a:fillRef>
+          <a:effectRef idx="0">
+            <a:schemeClr val="accent6"/>
+          </a:effectRef>
+          <a:fontRef idx="minor">
+            <a:schemeClr val="lt1"/>
+          </a:fontRef>
+        </p:style>
+        <p:txBody>
+          <a:bodyPr rtlCol="0" anchor="ctr"/>
+          <a:lstStyle/>
+          <a:p>
+            <a:pPr algn="ctr"/>
+            <a:r>
+              <a:rPr lang="de-DE" b="1" dirty="0">
+                <a:solidFill>
+                  <a:srgbClr val="FF0000"/>
+                </a:solidFill>
+              </a:rPr>
+              <a:t>partial </a:t>
+            </a:r>
+            <a:r>
+              <a:rPr lang="de-DE" b="1" dirty="0" err="1">
+                <a:solidFill>
+                  <a:srgbClr val="FF0000"/>
+                </a:solidFill>
+              </a:rPr>
+              <a:t>reset</a:t>
+            </a:r>
+            <a:endParaRPr lang="de-DE" b="1" dirty="0">
+              <a:solidFill>
+                <a:srgbClr val="FF0000"/>
+              </a:solidFill>
+            </a:endParaRPr>
+          </a:p>
+        </p:txBody>
+      </p:sp>
+      <p:sp>
+        <p:nvSpPr>
+          <p:cNvPr id="8" name="Pfeil: nach rechts 7">
+            <a:hlinkClick r:id="rId5" action="ppaction://hlinksldjump"/>
+            <a:extLst>
+              <a:ext uri="{FF2B5EF4-FFF2-40B4-BE49-F238E27FC236}">
+                <a16:creationId xmlns:a16="http://schemas.microsoft.com/office/drawing/2014/main" xmlns="" id="{DDB39A44-6707-42EC-AB50-BEB79B059A28}"/>
+              </a:ext>
+            </a:extLst>
+          </p:cNvPr>
+          <p:cNvSpPr/>
+          <p:nvPr/>
+        </p:nvSpPr>
+        <p:spPr>
+          <a:xfrm>
+            <a:off x="3194779" y="5913605"/>
+            <a:ext cx="1918504" cy="571278"/>
+          </a:xfrm>
+          <a:prstGeom prst="rightArrow">
+            <a:avLst/>
+          </a:prstGeom>
+          <a:solidFill>
+            <a:srgbClr val="FF0000"/>
+          </a:solidFill>
+        </p:spPr>
+        <p:style>
+          <a:lnRef idx="2">
+            <a:schemeClr val="accent6">
+              <a:shade val="50000"/>
+            </a:schemeClr>
+          </a:lnRef>
+          <a:fillRef idx="1">
+            <a:schemeClr val="accent6"/>
+          </a:fillRef>
+          <a:effectRef idx="0">
+            <a:schemeClr val="accent6"/>
+          </a:effectRef>
+          <a:fontRef idx="minor">
+            <a:schemeClr val="lt1"/>
+          </a:fontRef>
+        </p:style>
+        <p:txBody>
+          <a:bodyPr rtlCol="0" anchor="ctr"/>
+          <a:lstStyle/>
+          <a:p>
+            <a:pPr algn="ctr"/>
+            <a:r>
+              <a:rPr lang="de-DE" b="1" dirty="0" err="1">
+                <a:solidFill>
+                  <a:schemeClr val="tx1">
+                    <a:lumMod val="95000"/>
+                  </a:schemeClr>
+                </a:solidFill>
+              </a:rPr>
+              <a:t>full</a:t>
+            </a:r>
+            <a:r>
+              <a:rPr lang="de-DE" b="1" dirty="0">
+                <a:solidFill>
+                  <a:schemeClr val="tx1">
+                    <a:lumMod val="95000"/>
+                  </a:schemeClr>
+                </a:solidFill>
+              </a:rPr>
+              <a:t> </a:t>
+            </a:r>
+            <a:r>
+              <a:rPr lang="de-DE" b="1" dirty="0" err="1">
+                <a:solidFill>
+                  <a:schemeClr val="tx1">
+                    <a:lumMod val="95000"/>
+                  </a:schemeClr>
+                </a:solidFill>
+              </a:rPr>
+              <a:t>reset</a:t>
+            </a:r>
+            <a:endParaRPr lang="de-DE" b="1" dirty="0">
+              <a:solidFill>
+                <a:schemeClr val="tx1">
+                  <a:lumMod val="95000"/>
+                </a:schemeClr>
+              </a:solidFill>
+            </a:endParaRPr>
+          </a:p>
+        </p:txBody>
+      </p:sp>
+    </p:spTree>
+    <p:extLst>
+      <p:ext uri="{BB962C8B-B14F-4D97-AF65-F5344CB8AC3E}">
+        <p14:creationId xmlns:p14="http://schemas.microsoft.com/office/powerpoint/2010/main" xmlns="" val="116301895"/>
+      </p:ext>
+    </p:extLst>
+  </p:cSld>
+  <p:clrMapOvr>
+    <a:masterClrMapping/>
+  </p:clrMapOvr>
+</p:sld>
+</file>
+
+<file path=ppt/slides/slide4.xml><?xml version="1.0" encoding="utf-8"?>
+<p:sld xmlns:a="http://schemas.openxmlformats.org/drawingml/2006/main" xmlns:r="http://schemas.openxmlformats.org/officeDocument/2006/relationships" xmlns:p="http://schemas.openxmlformats.org/presentationml/2006/main">
+  <p:cSld>
+    <p:bg>
+      <p:bgPr>
+        <a:solidFill>
+          <a:schemeClr val="bg1">
+            <a:alpha val="0"/>
+          </a:schemeClr>
+        </a:solidFill>
+        <a:effectLst/>
+      </p:bgPr>
+    </p:bg>
+    <p:spTree>
+      <p:nvGrpSpPr>
+        <p:cNvPr id="1" name=""/>
+        <p:cNvGrpSpPr/>
+        <p:nvPr/>
+      </p:nvGrpSpPr>
+      <p:grpSpPr>
+        <a:xfrm>
+          <a:off x="0" y="0"/>
+          <a:ext cx="0" cy="0"/>
+          <a:chOff x="0" y="0"/>
+          <a:chExt cx="0" cy="0"/>
+        </a:xfrm>
+      </p:grpSpPr>
+      <p:sp>
+        <p:nvSpPr>
+          <p:cNvPr id="2" name="Titel 1">
+            <a:extLst>
+              <a:ext uri="{FF2B5EF4-FFF2-40B4-BE49-F238E27FC236}">
+                <a16:creationId xmlns:a16="http://schemas.microsoft.com/office/drawing/2014/main" xmlns="" id="{19DD5F15-9C27-4730-80B4-4B8CA5C3D954}"/>
+              </a:ext>
+            </a:extLst>
+          </p:cNvPr>
+          <p:cNvSpPr>
+            <a:spLocks noGrp="1"/>
+          </p:cNvSpPr>
+          <p:nvPr>
+            <p:ph type="title"/>
+          </p:nvPr>
+        </p:nvSpPr>
+        <p:spPr>
+          <a:xfrm>
+            <a:off x="1110342" y="288925"/>
+            <a:ext cx="10515600" cy="1325563"/>
+          </a:xfrm>
+          <a:noFill/>
+          <a:ln>
+            <a:solidFill>
+              <a:schemeClr val="tx1"/>
+            </a:solidFill>
+          </a:ln>
+        </p:spPr>
+        <p:txBody>
+          <a:bodyPr/>
+          <a:lstStyle/>
+          <a:p>
+            <a:r>
+              <a:rPr lang="de-DE" b="1" dirty="0" err="1">
+                <a:solidFill>
+                  <a:schemeClr val="bg1"/>
+                </a:solidFill>
+              </a:rPr>
+              <a:t>ResetUltraStream</a:t>
+            </a:r>
+            <a:r>
+              <a:rPr lang="de-DE" b="1" dirty="0">
+                <a:solidFill>
+                  <a:schemeClr val="bg1"/>
+                </a:solidFill>
+              </a:rPr>
+              <a:t> 4</a:t>
+            </a:r>
+            <a:br>
+              <a:rPr lang="de-DE" b="1" dirty="0">
+                <a:solidFill>
+                  <a:schemeClr val="bg1"/>
+                </a:solidFill>
+              </a:rPr>
+            </a:br>
+            <a:r>
+              <a:rPr lang="de-DE" b="1" dirty="0">
+                <a:solidFill>
+                  <a:schemeClr val="bg1"/>
+                </a:solidFill>
+              </a:rPr>
+              <a:t>open Web UI</a:t>
+            </a:r>
+          </a:p>
+        </p:txBody>
+      </p:sp>
+      <p:sp>
+        <p:nvSpPr>
+          <p:cNvPr id="3" name="Inhaltsplatzhalter 2">
+            <a:extLst>
+              <a:ext uri="{FF2B5EF4-FFF2-40B4-BE49-F238E27FC236}">
+                <a16:creationId xmlns:a16="http://schemas.microsoft.com/office/drawing/2014/main" xmlns="" id="{E47621BA-2F32-4AB0-8C4C-5362CB4F4EC5}"/>
+              </a:ext>
+            </a:extLst>
+          </p:cNvPr>
+          <p:cNvSpPr>
+            <a:spLocks noGrp="1"/>
+          </p:cNvSpPr>
+          <p:nvPr>
+            <p:ph idx="1"/>
+          </p:nvPr>
+        </p:nvSpPr>
+        <p:spPr>
+          <a:xfrm>
+            <a:off x="425303" y="2062716"/>
+            <a:ext cx="6220046" cy="2392325"/>
+          </a:xfrm>
+          <a:solidFill>
+            <a:schemeClr val="tx1"/>
+          </a:solidFill>
+        </p:spPr>
+        <p:txBody>
+          <a:bodyPr>
+            <a:normAutofit fontScale="92500" lnSpcReduction="10000"/>
+          </a:bodyPr>
+          <a:lstStyle/>
+          <a:p>
+            <a:r>
+              <a:rPr lang="de-DE" dirty="0" err="1">
+                <a:solidFill>
+                  <a:schemeClr val="bg1"/>
+                </a:solidFill>
+                <a:effectLst>
+                  <a:outerShdw blurRad="50800" dist="50800" dir="5400000" algn="ctr" rotWithShape="0">
+                    <a:srgbClr val="000000">
+                      <a:alpha val="0"/>
+                    </a:srgbClr>
+                  </a:outerShdw>
+                </a:effectLst>
+              </a:rPr>
+              <a:t>UltraStream</a:t>
+            </a:r>
+            <a:r>
+              <a:rPr lang="de-DE" dirty="0">
+                <a:solidFill>
+                  <a:schemeClr val="bg1"/>
+                </a:solidFill>
+                <a:effectLst>
+                  <a:outerShdw blurRad="50800" dist="50800" dir="5400000" algn="ctr" rotWithShape="0">
+                    <a:srgbClr val="000000">
+                      <a:alpha val="0"/>
+                    </a:srgbClr>
+                  </a:outerShdw>
+                </a:effectLst>
+              </a:rPr>
+              <a:t> Web User Interface mit Pfeiltaste öffnen</a:t>
+            </a:r>
+          </a:p>
+          <a:p>
+            <a:r>
+              <a:rPr lang="de-DE" dirty="0">
+                <a:solidFill>
+                  <a:schemeClr val="bg1"/>
+                </a:solidFill>
+                <a:effectLst>
+                  <a:outerShdw blurRad="50800" dist="50800" dir="5400000" algn="ctr" rotWithShape="0">
+                    <a:srgbClr val="000000">
+                      <a:alpha val="0"/>
+                    </a:srgbClr>
+                  </a:outerShdw>
+                </a:effectLst>
+              </a:rPr>
+              <a:t>Einloggen mit User: Admin Password: Admin</a:t>
+            </a:r>
+          </a:p>
+          <a:p>
+            <a:r>
+              <a:rPr lang="de-DE" dirty="0">
+                <a:solidFill>
+                  <a:schemeClr val="bg1"/>
+                </a:solidFill>
+                <a:effectLst>
+                  <a:outerShdw blurRad="50800" dist="50800" dir="5400000" algn="ctr" rotWithShape="0">
+                    <a:srgbClr val="000000">
+                      <a:alpha val="0"/>
+                    </a:srgbClr>
+                  </a:outerShdw>
+                </a:effectLst>
+              </a:rPr>
+              <a:t>in General Settings wechseln, hoch scrollen und </a:t>
+            </a:r>
+            <a:r>
+              <a:rPr lang="de-DE" dirty="0" err="1">
+                <a:solidFill>
+                  <a:schemeClr val="bg1"/>
+                </a:solidFill>
+                <a:effectLst>
+                  <a:outerShdw blurRad="50800" dist="50800" dir="5400000" algn="ctr" rotWithShape="0">
+                    <a:srgbClr val="000000">
+                      <a:alpha val="0"/>
+                    </a:srgbClr>
+                  </a:outerShdw>
+                </a:effectLst>
+              </a:rPr>
+              <a:t>Advanced</a:t>
+            </a:r>
+            <a:r>
+              <a:rPr lang="de-DE" dirty="0">
+                <a:solidFill>
+                  <a:schemeClr val="bg1"/>
+                </a:solidFill>
+                <a:effectLst>
+                  <a:outerShdw blurRad="50800" dist="50800" dir="5400000" algn="ctr" rotWithShape="0">
+                    <a:srgbClr val="000000">
+                      <a:alpha val="0"/>
+                    </a:srgbClr>
+                  </a:outerShdw>
+                </a:effectLst>
+              </a:rPr>
+              <a:t> </a:t>
+            </a:r>
+            <a:r>
+              <a:rPr lang="de-DE" dirty="0" err="1">
+                <a:solidFill>
+                  <a:schemeClr val="bg1"/>
+                </a:solidFill>
+                <a:effectLst>
+                  <a:outerShdw blurRad="50800" dist="50800" dir="5400000" algn="ctr" rotWithShape="0">
+                    <a:srgbClr val="000000">
+                      <a:alpha val="0"/>
+                    </a:srgbClr>
+                  </a:outerShdw>
+                </a:effectLst>
+              </a:rPr>
+              <a:t>settings</a:t>
+            </a:r>
+            <a:r>
+              <a:rPr lang="de-DE" dirty="0">
+                <a:solidFill>
+                  <a:schemeClr val="bg1"/>
+                </a:solidFill>
+                <a:effectLst>
+                  <a:outerShdw blurRad="50800" dist="50800" dir="5400000" algn="ctr" rotWithShape="0">
+                    <a:srgbClr val="000000">
+                      <a:alpha val="0"/>
+                    </a:srgbClr>
+                  </a:outerShdw>
+                </a:effectLst>
+              </a:rPr>
+              <a:t> wählen</a:t>
+            </a:r>
+          </a:p>
+          <a:p>
+            <a:endParaRPr lang="de-DE" dirty="0">
               <a:solidFill>
                 <a:schemeClr val="bg1"/>
               </a:solidFill>
@@ -4818,7 +5982,7 @@
           <a:p>
             <a:pPr algn="ctr"/>
             <a:r>
-              <a:rPr lang="de-DE" b="1" dirty="0" smtClean="0">
+              <a:rPr lang="de-DE" b="1" dirty="0">
                 <a:solidFill>
                   <a:schemeClr val="tx1"/>
                 </a:solidFill>
@@ -4826,7 +5990,7 @@
               <a:t>WEB UI </a:t>
             </a:r>
             <a:r>
-              <a:rPr lang="de-DE" b="1" dirty="0" err="1" smtClean="0">
+              <a:rPr lang="de-DE" b="1" dirty="0" err="1">
                 <a:solidFill>
                   <a:schemeClr val="tx1"/>
                 </a:solidFill>
@@ -4917,17 +6081,10 @@
   <p:clrMapOvr>
     <a:masterClrMapping/>
   </p:clrMapOvr>
-  <p:timing>
-    <p:tnLst>
-      <p:par>
-        <p:cTn id="1" dur="indefinite" restart="never" nodeType="tmRoot"/>
-      </p:par>
-    </p:tnLst>
-  </p:timing>
 </p:sld>
 </file>
 
-<file path=ppt/slides/slide4.xml><?xml version="1.0" encoding="utf-8"?>
+<file path=ppt/slides/slide5.xml><?xml version="1.0" encoding="utf-8"?>
 <p:sld xmlns:a="http://schemas.openxmlformats.org/drawingml/2006/main" xmlns:r="http://schemas.openxmlformats.org/officeDocument/2006/relationships" xmlns:p="http://schemas.openxmlformats.org/presentationml/2006/main">
   <p:cSld>
     <p:bg>
@@ -4987,7 +6144,7 @@
           <a:lstStyle/>
           <a:p>
             <a:r>
-              <a:rPr lang="de-DE" b="1" dirty="0" err="1" smtClean="0">
+              <a:rPr lang="de-DE" b="1" dirty="0" err="1">
                 <a:solidFill>
                   <a:schemeClr val="bg1"/>
                 </a:solidFill>
@@ -4995,30 +6152,22 @@
               <a:t>ResetUltraStream</a:t>
             </a:r>
             <a:r>
-              <a:rPr lang="de-DE" b="1" dirty="0" smtClean="0">
-                <a:solidFill>
-                  <a:schemeClr val="bg1"/>
-                </a:solidFill>
-              </a:rPr>
-              <a:t> </a:t>
-            </a:r>
-            <a:r>
-              <a:rPr lang="de-DE" b="1" dirty="0" smtClean="0">
-                <a:solidFill>
-                  <a:schemeClr val="bg1"/>
-                </a:solidFill>
-              </a:rPr>
-              <a:t>4</a:t>
+              <a:rPr lang="de-DE" b="1" dirty="0">
+                <a:solidFill>
+                  <a:schemeClr val="bg1"/>
+                </a:solidFill>
+              </a:rPr>
+              <a:t> 5</a:t>
             </a:r>
             <a:br>
-              <a:rPr lang="de-DE" b="1" dirty="0" smtClean="0">
+              <a:rPr lang="de-DE" b="1" dirty="0">
                 <a:solidFill>
                   <a:schemeClr val="bg1"/>
                 </a:solidFill>
               </a:rPr>
             </a:br>
             <a:r>
-              <a:rPr lang="de-DE" b="1" dirty="0" err="1" smtClean="0">
+              <a:rPr lang="de-DE" b="1" dirty="0" err="1">
                 <a:solidFill>
                   <a:schemeClr val="bg1"/>
                 </a:solidFill>
@@ -5026,18 +6175,13 @@
               <a:t>reset</a:t>
             </a:r>
             <a:r>
-              <a:rPr lang="de-DE" b="1" dirty="0" smtClean="0">
+              <a:rPr lang="de-DE" b="1" dirty="0">
                 <a:solidFill>
                   <a:schemeClr val="bg1"/>
                 </a:solidFill>
               </a:rPr>
               <a:t> Device</a:t>
             </a:r>
-            <a:endParaRPr lang="de-DE" b="1" dirty="0">
-              <a:solidFill>
-                <a:schemeClr val="bg1"/>
-              </a:solidFill>
-            </a:endParaRPr>
           </a:p>
         </p:txBody>
       </p:sp>
@@ -5073,7 +6217,7 @@
           <a:lstStyle/>
           <a:p>
             <a:r>
-              <a:rPr lang="de-DE" dirty="0" err="1" smtClean="0">
+              <a:rPr lang="de-DE" dirty="0" err="1">
                 <a:solidFill>
                   <a:schemeClr val="bg1"/>
                 </a:solidFill>
@@ -5088,7 +6232,7 @@
               <a:t>Reset</a:t>
             </a:r>
             <a:r>
-              <a:rPr lang="de-DE" dirty="0" smtClean="0">
+              <a:rPr lang="de-DE" dirty="0">
                 <a:solidFill>
                   <a:schemeClr val="bg1"/>
                 </a:solidFill>
@@ -5103,7 +6247,7 @@
               <a:t> all Settings wählen und mit </a:t>
             </a:r>
             <a:r>
-              <a:rPr lang="de-DE" dirty="0" err="1" smtClean="0">
+              <a:rPr lang="de-DE" dirty="0" err="1">
                 <a:solidFill>
                   <a:schemeClr val="bg1"/>
                 </a:solidFill>
@@ -5118,7 +6262,7 @@
               <a:t>Reset</a:t>
             </a:r>
             <a:r>
-              <a:rPr lang="de-DE" dirty="0" smtClean="0">
+              <a:rPr lang="de-DE" dirty="0">
                 <a:solidFill>
                   <a:schemeClr val="bg1"/>
                 </a:solidFill>
@@ -5132,21 +6276,9 @@
               </a:rPr>
               <a:t> bestätigen</a:t>
             </a:r>
-            <a:endParaRPr lang="de-DE" dirty="0" smtClean="0">
-              <a:solidFill>
-                <a:schemeClr val="bg1"/>
-              </a:solidFill>
-              <a:effectLst>
-                <a:outerShdw blurRad="50800" dist="50800" dir="5400000" algn="ctr" rotWithShape="0">
-                  <a:srgbClr val="000000">
-                    <a:alpha val="0"/>
-                  </a:srgbClr>
-                </a:outerShdw>
-              </a:effectLst>
-            </a:endParaRPr>
-          </a:p>
-          <a:p>
-            <a:endParaRPr lang="de-DE" dirty="0" smtClean="0">
+          </a:p>
+          <a:p>
+            <a:endParaRPr lang="de-DE" dirty="0">
               <a:solidFill>
                 <a:schemeClr val="bg1"/>
               </a:solidFill>
@@ -5237,17 +6369,10 @@
   <p:clrMapOvr>
     <a:masterClrMapping/>
   </p:clrMapOvr>
-  <p:timing>
-    <p:tnLst>
-      <p:par>
-        <p:cTn id="1" dur="indefinite" restart="never" nodeType="tmRoot"/>
-      </p:par>
-    </p:tnLst>
-  </p:timing>
 </p:sld>
 </file>
 
-<file path=ppt/slides/slide5.xml><?xml version="1.0" encoding="utf-8"?>
+<file path=ppt/slides/slide6.xml><?xml version="1.0" encoding="utf-8"?>
 <p:sld xmlns:a="http://schemas.openxmlformats.org/drawingml/2006/main" xmlns:r="http://schemas.openxmlformats.org/officeDocument/2006/relationships" xmlns:p="http://schemas.openxmlformats.org/presentationml/2006/main">
   <p:cSld>
     <p:bg>
@@ -5307,7 +6432,7 @@
           <a:lstStyle/>
           <a:p>
             <a:r>
-              <a:rPr lang="de-DE" b="1" dirty="0" err="1" smtClean="0">
+              <a:rPr lang="de-DE" b="1" dirty="0" err="1">
                 <a:solidFill>
                   <a:schemeClr val="bg1"/>
                 </a:solidFill>
@@ -5315,57 +6440,28 @@
               <a:t>ResetUltraStream</a:t>
             </a:r>
             <a:r>
-              <a:rPr lang="de-DE" b="1" dirty="0" smtClean="0">
-                <a:solidFill>
-                  <a:schemeClr val="bg1"/>
-                </a:solidFill>
-              </a:rPr>
-              <a:t> </a:t>
-            </a:r>
-            <a:r>
-              <a:rPr lang="de-DE" b="1" dirty="0" smtClean="0">
-                <a:solidFill>
-                  <a:schemeClr val="bg1"/>
-                </a:solidFill>
-              </a:rPr>
-              <a:t>5</a:t>
-            </a:r>
-            <a:r>
-              <a:rPr lang="de-DE" b="1" dirty="0" smtClean="0">
-                <a:solidFill>
-                  <a:schemeClr val="bg1"/>
-                </a:solidFill>
-              </a:rPr>
-              <a:t/>
+              <a:rPr lang="de-DE" b="1" dirty="0">
+                <a:solidFill>
+                  <a:schemeClr val="bg1"/>
+                </a:solidFill>
+              </a:rPr>
+              <a:t> 6</a:t>
             </a:r>
             <a:br>
-              <a:rPr lang="de-DE" b="1" dirty="0" smtClean="0">
+              <a:rPr lang="de-DE" b="1" dirty="0">
                 <a:solidFill>
                   <a:schemeClr val="bg1"/>
                 </a:solidFill>
               </a:rPr>
             </a:br>
             <a:r>
-              <a:rPr lang="de-DE" b="1" dirty="0" err="1" smtClean="0">
-                <a:solidFill>
-                  <a:schemeClr val="bg1"/>
-                </a:solidFill>
-              </a:rPr>
-              <a:t>reboot</a:t>
-            </a:r>
-            <a:r>
-              <a:rPr lang="de-DE" b="1" dirty="0" smtClean="0">
-                <a:solidFill>
-                  <a:schemeClr val="bg1"/>
-                </a:solidFill>
-              </a:rPr>
-              <a:t> Device</a:t>
-            </a:r>
-            <a:endParaRPr lang="de-DE" b="1" dirty="0">
-              <a:solidFill>
-                <a:schemeClr val="bg1"/>
-              </a:solidFill>
-            </a:endParaRPr>
+              <a:rPr lang="de-DE" b="1" dirty="0">
+                <a:solidFill>
+                  <a:schemeClr val="bg1"/>
+                </a:solidFill>
+              </a:rPr>
+              <a:t>reboot Device</a:t>
+            </a:r>
           </a:p>
         </p:txBody>
       </p:sp>
@@ -5401,7 +6497,7 @@
           <a:lstStyle/>
           <a:p>
             <a:r>
-              <a:rPr lang="de-DE" dirty="0" smtClean="0">
+              <a:rPr lang="de-DE" dirty="0">
                 <a:solidFill>
                   <a:schemeClr val="bg1"/>
                 </a:solidFill>
@@ -5418,7 +6514,7 @@
           </a:p>
           <a:p>
             <a:r>
-              <a:rPr lang="de-DE" dirty="0" smtClean="0">
+              <a:rPr lang="de-DE" dirty="0">
                 <a:solidFill>
                   <a:schemeClr val="bg1"/>
                 </a:solidFill>
@@ -5432,22 +6528,10 @@
               </a:rPr>
               <a:t>User: Admin  Password: Admin</a:t>
             </a:r>
-            <a:endParaRPr lang="de-DE" dirty="0" smtClean="0">
-              <a:solidFill>
-                <a:schemeClr val="bg1"/>
-              </a:solidFill>
-              <a:effectLst>
-                <a:outerShdw blurRad="50800" dist="50800" dir="5400000" algn="ctr" rotWithShape="0">
-                  <a:srgbClr val="000000">
-                    <a:alpha val="0"/>
-                  </a:srgbClr>
-                </a:outerShdw>
-              </a:effectLst>
-            </a:endParaRPr>
-          </a:p>
-          <a:p>
-            <a:r>
-              <a:rPr lang="de-DE" dirty="0" smtClean="0">
+          </a:p>
+          <a:p>
+            <a:r>
+              <a:rPr lang="de-DE" dirty="0">
                 <a:solidFill>
                   <a:schemeClr val="bg1"/>
                 </a:solidFill>
@@ -5461,18 +6545,6 @@
               </a:rPr>
               <a:t>Initial Setup wählen</a:t>
             </a:r>
-            <a:endParaRPr lang="de-DE" dirty="0" smtClean="0">
-              <a:solidFill>
-                <a:schemeClr val="bg1"/>
-              </a:solidFill>
-              <a:effectLst>
-                <a:outerShdw blurRad="50800" dist="50800" dir="5400000" algn="ctr" rotWithShape="0">
-                  <a:srgbClr val="000000">
-                    <a:alpha val="0"/>
-                  </a:srgbClr>
-                </a:outerShdw>
-              </a:effectLst>
-            </a:endParaRPr>
           </a:p>
         </p:txBody>
       </p:sp>
@@ -5515,7 +6587,7 @@
           <a:p>
             <a:pPr algn="ctr"/>
             <a:r>
-              <a:rPr lang="de-DE" b="1" dirty="0" smtClean="0">
+              <a:rPr lang="de-DE" b="1" dirty="0">
                 <a:solidFill>
                   <a:schemeClr val="tx1"/>
                 </a:solidFill>
@@ -5523,7 +6595,7 @@
               <a:t>WEB UI </a:t>
             </a:r>
             <a:r>
-              <a:rPr lang="de-DE" b="1" dirty="0" err="1" smtClean="0">
+              <a:rPr lang="de-DE" b="1" dirty="0" err="1">
                 <a:solidFill>
                   <a:schemeClr val="tx1"/>
                 </a:solidFill>
@@ -5614,17 +6686,10 @@
   <p:clrMapOvr>
     <a:masterClrMapping/>
   </p:clrMapOvr>
-  <p:timing>
-    <p:tnLst>
-      <p:par>
-        <p:cTn id="1" dur="indefinite" restart="never" nodeType="tmRoot"/>
-      </p:par>
-    </p:tnLst>
-  </p:timing>
 </p:sld>
 </file>
 
-<file path=ppt/slides/slide6.xml><?xml version="1.0" encoding="utf-8"?>
+<file path=ppt/slides/slide7.xml><?xml version="1.0" encoding="utf-8"?>
 <p:sld xmlns:a="http://schemas.openxmlformats.org/drawingml/2006/main" xmlns:r="http://schemas.openxmlformats.org/officeDocument/2006/relationships" xmlns:p="http://schemas.openxmlformats.org/presentationml/2006/main">
   <p:cSld>
     <p:bg>
@@ -5684,7 +6749,7 @@
           <a:lstStyle/>
           <a:p>
             <a:r>
-              <a:rPr lang="de-DE" b="1" dirty="0" err="1" smtClean="0">
+              <a:rPr lang="de-DE" b="1" dirty="0" err="1">
                 <a:solidFill>
                   <a:schemeClr val="bg1"/>
                 </a:solidFill>
@@ -5692,30 +6757,22 @@
               <a:t>ResetUltraStream</a:t>
             </a:r>
             <a:r>
-              <a:rPr lang="de-DE" b="1" dirty="0" smtClean="0">
-                <a:solidFill>
-                  <a:schemeClr val="bg1"/>
-                </a:solidFill>
-              </a:rPr>
-              <a:t> </a:t>
-            </a:r>
-            <a:r>
-              <a:rPr lang="de-DE" b="1" dirty="0" smtClean="0">
-                <a:solidFill>
-                  <a:schemeClr val="bg1"/>
-                </a:solidFill>
-              </a:rPr>
-              <a:t>6</a:t>
+              <a:rPr lang="de-DE" b="1" dirty="0">
+                <a:solidFill>
+                  <a:schemeClr val="bg1"/>
+                </a:solidFill>
+              </a:rPr>
+              <a:t> 7</a:t>
             </a:r>
             <a:br>
-              <a:rPr lang="de-DE" b="1" dirty="0" smtClean="0">
+              <a:rPr lang="de-DE" b="1" dirty="0">
                 <a:solidFill>
                   <a:schemeClr val="bg1"/>
                 </a:solidFill>
               </a:rPr>
             </a:br>
             <a:r>
-              <a:rPr lang="de-DE" b="1" dirty="0" err="1" smtClean="0">
+              <a:rPr lang="de-DE" b="1" dirty="0" err="1">
                 <a:solidFill>
                   <a:schemeClr val="bg1"/>
                 </a:solidFill>
@@ -5723,18 +6780,13 @@
               <a:t>set</a:t>
             </a:r>
             <a:r>
-              <a:rPr lang="de-DE" b="1" dirty="0" smtClean="0">
+              <a:rPr lang="de-DE" b="1" dirty="0">
                 <a:solidFill>
                   <a:schemeClr val="bg1"/>
                 </a:solidFill>
               </a:rPr>
               <a:t> Device Name</a:t>
             </a:r>
-            <a:endParaRPr lang="de-DE" b="1" dirty="0">
-              <a:solidFill>
-                <a:schemeClr val="bg1"/>
-              </a:solidFill>
-            </a:endParaRPr>
           </a:p>
         </p:txBody>
       </p:sp>
@@ -5770,7 +6822,7 @@
           <a:lstStyle/>
           <a:p>
             <a:r>
-              <a:rPr lang="de-DE" dirty="0" smtClean="0">
+              <a:rPr lang="de-DE" dirty="0">
                 <a:solidFill>
                   <a:schemeClr val="bg1"/>
                 </a:solidFill>
@@ -5785,7 +6837,7 @@
               <a:t>Default </a:t>
             </a:r>
             <a:r>
-              <a:rPr lang="de-DE" dirty="0" err="1" smtClean="0">
+              <a:rPr lang="de-DE" dirty="0" err="1">
                 <a:solidFill>
                   <a:schemeClr val="bg1"/>
                 </a:solidFill>
@@ -5800,7 +6852,7 @@
               <a:t>Devicename</a:t>
             </a:r>
             <a:r>
-              <a:rPr lang="de-DE" dirty="0" smtClean="0">
+              <a:rPr lang="de-DE" dirty="0">
                 <a:solidFill>
                   <a:schemeClr val="bg1"/>
                 </a:solidFill>
@@ -5814,22 +6866,10 @@
               </a:rPr>
               <a:t> belassen, weiter mit ‚Next‘ Button</a:t>
             </a:r>
-            <a:endParaRPr lang="de-DE" dirty="0" smtClean="0">
-              <a:solidFill>
-                <a:schemeClr val="bg1"/>
-              </a:solidFill>
-              <a:effectLst>
-                <a:outerShdw blurRad="50800" dist="50800" dir="5400000" algn="ctr" rotWithShape="0">
-                  <a:srgbClr val="000000">
-                    <a:alpha val="0"/>
-                  </a:srgbClr>
-                </a:outerShdw>
-              </a:effectLst>
-            </a:endParaRPr>
-          </a:p>
-          <a:p>
-            <a:r>
-              <a:rPr lang="de-DE" dirty="0" smtClean="0">
+          </a:p>
+          <a:p>
+            <a:r>
+              <a:rPr lang="de-DE" dirty="0">
                 <a:solidFill>
                   <a:schemeClr val="bg1"/>
                 </a:solidFill>
@@ -5844,7 +6884,7 @@
               <a:t>Device </a:t>
             </a:r>
             <a:r>
-              <a:rPr lang="de-DE" dirty="0" err="1" smtClean="0">
+              <a:rPr lang="de-DE" dirty="0" err="1">
                 <a:solidFill>
                   <a:schemeClr val="bg1"/>
                 </a:solidFill>
@@ -5859,7 +6899,7 @@
               <a:t>Passcode</a:t>
             </a:r>
             <a:r>
-              <a:rPr lang="de-DE" dirty="0" smtClean="0">
+              <a:rPr lang="de-DE" dirty="0">
                 <a:solidFill>
                   <a:schemeClr val="bg1"/>
                 </a:solidFill>
@@ -5952,17 +6992,10 @@
   <p:clrMapOvr>
     <a:masterClrMapping/>
   </p:clrMapOvr>
-  <p:timing>
-    <p:tnLst>
-      <p:par>
-        <p:cTn id="1" dur="indefinite" restart="never" nodeType="tmRoot"/>
-      </p:par>
-    </p:tnLst>
-  </p:timing>
 </p:sld>
 </file>
 
-<file path=ppt/slides/slide7.xml><?xml version="1.0" encoding="utf-8"?>
+<file path=ppt/slides/slide8.xml><?xml version="1.0" encoding="utf-8"?>
 <p:sld xmlns:a="http://schemas.openxmlformats.org/drawingml/2006/main" xmlns:r="http://schemas.openxmlformats.org/officeDocument/2006/relationships" xmlns:p="http://schemas.openxmlformats.org/presentationml/2006/main">
   <p:cSld>
     <p:bg>
@@ -6022,7 +7055,7 @@
           <a:lstStyle/>
           <a:p>
             <a:r>
-              <a:rPr lang="de-DE" b="1" dirty="0" err="1" smtClean="0">
+              <a:rPr lang="de-DE" b="1" dirty="0" err="1">
                 <a:solidFill>
                   <a:schemeClr val="bg1"/>
                 </a:solidFill>
@@ -6030,38 +7063,22 @@
               <a:t>ResetUltraStream</a:t>
             </a:r>
             <a:r>
-              <a:rPr lang="de-DE" b="1" dirty="0" smtClean="0">
-                <a:solidFill>
-                  <a:schemeClr val="bg1"/>
-                </a:solidFill>
-              </a:rPr>
-              <a:t> </a:t>
-            </a:r>
-            <a:r>
-              <a:rPr lang="de-DE" b="1" dirty="0" smtClean="0">
-                <a:solidFill>
-                  <a:schemeClr val="bg1"/>
-                </a:solidFill>
-              </a:rPr>
-              <a:t>7</a:t>
-            </a:r>
-            <a:r>
-              <a:rPr lang="de-DE" b="1" dirty="0" smtClean="0">
-                <a:solidFill>
-                  <a:schemeClr val="bg1"/>
-                </a:solidFill>
-              </a:rPr>
-              <a:t/>
+              <a:rPr lang="de-DE" b="1" dirty="0">
+                <a:solidFill>
+                  <a:schemeClr val="bg1"/>
+                </a:solidFill>
+              </a:rPr>
+              <a:t> 8</a:t>
             </a:r>
             <a:br>
-              <a:rPr lang="de-DE" b="1" dirty="0" smtClean="0">
+              <a:rPr lang="de-DE" b="1" dirty="0">
                 <a:solidFill>
                   <a:schemeClr val="bg1"/>
                 </a:solidFill>
               </a:rPr>
             </a:br>
             <a:r>
-              <a:rPr lang="de-DE" b="1" dirty="0" err="1" smtClean="0">
+              <a:rPr lang="de-DE" b="1" dirty="0" err="1">
                 <a:solidFill>
                   <a:schemeClr val="bg1"/>
                 </a:solidFill>
@@ -6069,18 +7086,13 @@
               <a:t>set</a:t>
             </a:r>
             <a:r>
-              <a:rPr lang="de-DE" b="1" dirty="0" smtClean="0">
+              <a:rPr lang="de-DE" b="1" dirty="0">
                 <a:solidFill>
                   <a:schemeClr val="bg1"/>
                 </a:solidFill>
               </a:rPr>
               <a:t> Time</a:t>
             </a:r>
-            <a:endParaRPr lang="de-DE" b="1" dirty="0">
-              <a:solidFill>
-                <a:schemeClr val="bg1"/>
-              </a:solidFill>
-            </a:endParaRPr>
           </a:p>
         </p:txBody>
       </p:sp>
@@ -6116,7 +7128,7 @@
           <a:lstStyle/>
           <a:p>
             <a:r>
-              <a:rPr lang="de-DE" dirty="0" smtClean="0">
+              <a:rPr lang="de-DE" dirty="0">
                 <a:solidFill>
                   <a:schemeClr val="bg1"/>
                 </a:solidFill>
@@ -6131,7 +7143,7 @@
               <a:t>Time </a:t>
             </a:r>
             <a:r>
-              <a:rPr lang="de-DE" dirty="0" err="1" smtClean="0">
+              <a:rPr lang="de-DE" dirty="0" err="1">
                 <a:solidFill>
                   <a:schemeClr val="bg1"/>
                 </a:solidFill>
@@ -6146,7 +7158,7 @@
               <a:t>zone</a:t>
             </a:r>
             <a:r>
-              <a:rPr lang="de-DE" dirty="0" smtClean="0">
+              <a:rPr lang="de-DE" dirty="0">
                 <a:solidFill>
                   <a:schemeClr val="bg1"/>
                 </a:solidFill>
@@ -6160,22 +7172,10 @@
               </a:rPr>
               <a:t> auf Europe/Berlin setzen</a:t>
             </a:r>
-            <a:endParaRPr lang="de-DE" dirty="0" smtClean="0">
-              <a:solidFill>
-                <a:schemeClr val="bg1"/>
-              </a:solidFill>
-              <a:effectLst>
-                <a:outerShdw blurRad="50800" dist="50800" dir="5400000" algn="ctr" rotWithShape="0">
-                  <a:srgbClr val="000000">
-                    <a:alpha val="0"/>
-                  </a:srgbClr>
-                </a:outerShdw>
-              </a:effectLst>
-            </a:endParaRPr>
-          </a:p>
-          <a:p>
-            <a:r>
-              <a:rPr lang="de-DE" dirty="0" smtClean="0">
+          </a:p>
+          <a:p>
+            <a:r>
+              <a:rPr lang="de-DE" dirty="0">
                 <a:solidFill>
                   <a:schemeClr val="bg1"/>
                 </a:solidFill>
@@ -6190,7 +7190,7 @@
               <a:t>Set time </a:t>
             </a:r>
             <a:r>
-              <a:rPr lang="de-DE" dirty="0" err="1" smtClean="0">
+              <a:rPr lang="de-DE" dirty="0" err="1">
                 <a:solidFill>
                   <a:schemeClr val="bg1"/>
                 </a:solidFill>
@@ -6205,7 +7205,7 @@
               <a:t>automatically</a:t>
             </a:r>
             <a:r>
-              <a:rPr lang="de-DE" dirty="0" smtClean="0">
+              <a:rPr lang="de-DE" dirty="0">
                 <a:solidFill>
                   <a:schemeClr val="bg1"/>
                 </a:solidFill>
@@ -6222,7 +7222,7 @@
           </a:p>
           <a:p>
             <a:r>
-              <a:rPr lang="de-DE" dirty="0" smtClean="0">
+              <a:rPr lang="de-DE" dirty="0">
                 <a:solidFill>
                   <a:schemeClr val="bg1"/>
                 </a:solidFill>
@@ -6239,7 +7239,7 @@
           </a:p>
           <a:p>
             <a:r>
-              <a:rPr lang="de-DE" dirty="0" smtClean="0">
+              <a:rPr lang="de-DE" dirty="0">
                 <a:solidFill>
                   <a:schemeClr val="bg1"/>
                 </a:solidFill>
@@ -6254,7 +7254,7 @@
               <a:t>,Start </a:t>
             </a:r>
             <a:r>
-              <a:rPr lang="de-DE" dirty="0" err="1" smtClean="0">
+              <a:rPr lang="de-DE" dirty="0" err="1">
                 <a:solidFill>
                   <a:schemeClr val="bg1"/>
                 </a:solidFill>
@@ -6269,7 +7269,7 @@
               <a:t>to</a:t>
             </a:r>
             <a:r>
-              <a:rPr lang="de-DE" dirty="0" smtClean="0">
+              <a:rPr lang="de-DE" dirty="0">
                 <a:solidFill>
                   <a:schemeClr val="bg1"/>
                 </a:solidFill>
@@ -6284,7 +7284,7 @@
               <a:t> </a:t>
             </a:r>
             <a:r>
-              <a:rPr lang="de-DE" dirty="0" err="1" smtClean="0">
+              <a:rPr lang="de-DE" dirty="0" err="1">
                 <a:solidFill>
                   <a:schemeClr val="bg1"/>
                 </a:solidFill>
@@ -6299,7 +7299,7 @@
               <a:t>Use</a:t>
             </a:r>
             <a:r>
-              <a:rPr lang="de-DE" dirty="0" smtClean="0">
+              <a:rPr lang="de-DE" dirty="0">
                 <a:solidFill>
                   <a:schemeClr val="bg1"/>
                 </a:solidFill>
@@ -6392,17 +7392,10 @@
   <p:clrMapOvr>
     <a:masterClrMapping/>
   </p:clrMapOvr>
-  <p:timing>
-    <p:tnLst>
-      <p:par>
-        <p:cTn id="1" dur="indefinite" restart="never" nodeType="tmRoot"/>
-      </p:par>
-    </p:tnLst>
-  </p:timing>
 </p:sld>
 </file>
 
-<file path=ppt/slides/slide8.xml><?xml version="1.0" encoding="utf-8"?>
+<file path=ppt/slides/slide9.xml><?xml version="1.0" encoding="utf-8"?>
 <p:sld xmlns:a="http://schemas.openxmlformats.org/drawingml/2006/main" xmlns:r="http://schemas.openxmlformats.org/officeDocument/2006/relationships" xmlns:p="http://schemas.openxmlformats.org/presentationml/2006/main">
   <p:cSld>
     <p:bg>
@@ -6462,7 +7455,7 @@
           <a:lstStyle/>
           <a:p>
             <a:r>
-              <a:rPr lang="de-DE" b="1" dirty="0" err="1" smtClean="0">
+              <a:rPr lang="de-DE" b="1" dirty="0" err="1">
                 <a:solidFill>
                   <a:schemeClr val="bg1"/>
                 </a:solidFill>
@@ -6470,7 +7463,30 @@
               <a:t>ResetUltraStream</a:t>
             </a:r>
             <a:r>
-              <a:rPr lang="de-DE" b="1" dirty="0" smtClean="0">
+              <a:rPr lang="de-DE" b="1" dirty="0">
+                <a:solidFill>
+                  <a:schemeClr val="bg1"/>
+                </a:solidFill>
+              </a:rPr>
+              <a:t> 9</a:t>
+            </a:r>
+            <a:br>
+              <a:rPr lang="de-DE" b="1" dirty="0">
+                <a:solidFill>
+                  <a:schemeClr val="bg1"/>
+                </a:solidFill>
+              </a:rPr>
+            </a:br>
+            <a:r>
+              <a:rPr lang="de-DE" b="1" dirty="0" err="1">
+                <a:solidFill>
+                  <a:schemeClr val="bg1"/>
+                </a:solidFill>
+              </a:rPr>
+              <a:t>set</a:t>
+            </a:r>
+            <a:r>
+              <a:rPr lang="de-DE" b="1" dirty="0">
                 <a:solidFill>
                   <a:schemeClr val="bg1"/>
                 </a:solidFill>
@@ -6478,38 +7494,7 @@
               <a:t> </a:t>
             </a:r>
             <a:r>
-              <a:rPr lang="de-DE" b="1" dirty="0" smtClean="0">
-                <a:solidFill>
-                  <a:schemeClr val="bg1"/>
-                </a:solidFill>
-              </a:rPr>
-              <a:t>8</a:t>
-            </a:r>
-            <a:br>
-              <a:rPr lang="de-DE" b="1" dirty="0" smtClean="0">
-                <a:solidFill>
-                  <a:schemeClr val="bg1"/>
-                </a:solidFill>
-              </a:rPr>
-            </a:br>
-            <a:r>
-              <a:rPr lang="de-DE" b="1" dirty="0" err="1" smtClean="0">
-                <a:solidFill>
-                  <a:schemeClr val="bg1"/>
-                </a:solidFill>
-              </a:rPr>
-              <a:t>set</a:t>
-            </a:r>
-            <a:r>
-              <a:rPr lang="de-DE" b="1" dirty="0" smtClean="0">
-                <a:solidFill>
-                  <a:schemeClr val="bg1"/>
-                </a:solidFill>
-              </a:rPr>
-              <a:t> </a:t>
-            </a:r>
-            <a:r>
-              <a:rPr lang="de-DE" b="1" dirty="0" err="1" smtClean="0">
+              <a:rPr lang="de-DE" b="1" dirty="0" err="1">
                 <a:solidFill>
                   <a:schemeClr val="bg1"/>
                 </a:solidFill>
@@ -6517,18 +7502,13 @@
               <a:t>Sreaming</a:t>
             </a:r>
             <a:r>
-              <a:rPr lang="de-DE" b="1" dirty="0" smtClean="0">
+              <a:rPr lang="de-DE" b="1" dirty="0">
                 <a:solidFill>
                   <a:schemeClr val="bg1"/>
                 </a:solidFill>
               </a:rPr>
               <a:t> Server 1</a:t>
             </a:r>
-            <a:endParaRPr lang="de-DE" b="1" dirty="0">
-              <a:solidFill>
-                <a:schemeClr val="bg1"/>
-              </a:solidFill>
-            </a:endParaRPr>
           </a:p>
         </p:txBody>
       </p:sp>
@@ -6564,7 +7544,7 @@
           <a:lstStyle/>
           <a:p>
             <a:r>
-              <a:rPr lang="de-DE" dirty="0" smtClean="0">
+              <a:rPr lang="de-DE" dirty="0">
                 <a:solidFill>
                   <a:schemeClr val="bg1"/>
                 </a:solidFill>
@@ -6581,7 +7561,7 @@
           </a:p>
           <a:p>
             <a:r>
-              <a:rPr lang="de-DE" dirty="0" smtClean="0">
+              <a:rPr lang="de-DE" dirty="0">
                 <a:solidFill>
                   <a:schemeClr val="bg1"/>
                 </a:solidFill>
@@ -6598,7 +7578,7 @@
           </a:p>
           <a:p>
             <a:r>
-              <a:rPr lang="de-DE" dirty="0" err="1" smtClean="0">
+              <a:rPr lang="de-DE" dirty="0" err="1">
                 <a:solidFill>
                   <a:schemeClr val="bg1"/>
                 </a:solidFill>
@@ -6613,7 +7593,7 @@
               <a:t>Youtube</a:t>
             </a:r>
             <a:r>
-              <a:rPr lang="de-DE" dirty="0" smtClean="0">
+              <a:rPr lang="de-DE" dirty="0">
                 <a:solidFill>
                   <a:schemeClr val="bg1"/>
                 </a:solidFill>
@@ -6735,7 +7715,7 @@
           <a:p>
             <a:pPr algn="ctr"/>
             <a:r>
-              <a:rPr lang="de-DE" b="1" dirty="0" smtClean="0">
+              <a:rPr lang="de-DE" b="1" dirty="0">
                 <a:solidFill>
                   <a:schemeClr val="tx1"/>
                 </a:solidFill>
@@ -6743,7 +7723,7 @@
               <a:t>WEB UI </a:t>
             </a:r>
             <a:r>
-              <a:rPr lang="de-DE" b="1" dirty="0" err="1" smtClean="0">
+              <a:rPr lang="de-DE" b="1" dirty="0" err="1">
                 <a:solidFill>
                   <a:schemeClr val="tx1"/>
                 </a:solidFill>
@@ -6768,470 +7748,6 @@
   <p:clrMapOvr>
     <a:masterClrMapping/>
   </p:clrMapOvr>
-  <p:timing>
-    <p:tnLst>
-      <p:par>
-        <p:cTn id="1" dur="indefinite" restart="never" nodeType="tmRoot"/>
-      </p:par>
-    </p:tnLst>
-  </p:timing>
-</p:sld>
-</file>
-
-<file path=ppt/slides/slide9.xml><?xml version="1.0" encoding="utf-8"?>
-<p:sld xmlns:a="http://schemas.openxmlformats.org/drawingml/2006/main" xmlns:r="http://schemas.openxmlformats.org/officeDocument/2006/relationships" xmlns:p="http://schemas.openxmlformats.org/presentationml/2006/main">
-  <p:cSld>
-    <p:bg>
-      <p:bgPr>
-        <a:solidFill>
-          <a:schemeClr val="bg1">
-            <a:alpha val="0"/>
-          </a:schemeClr>
-        </a:solidFill>
-        <a:effectLst/>
-      </p:bgPr>
-    </p:bg>
-    <p:spTree>
-      <p:nvGrpSpPr>
-        <p:cNvPr id="1" name=""/>
-        <p:cNvGrpSpPr/>
-        <p:nvPr/>
-      </p:nvGrpSpPr>
-      <p:grpSpPr>
-        <a:xfrm>
-          <a:off x="0" y="0"/>
-          <a:ext cx="0" cy="0"/>
-          <a:chOff x="0" y="0"/>
-          <a:chExt cx="0" cy="0"/>
-        </a:xfrm>
-      </p:grpSpPr>
-      <p:sp>
-        <p:nvSpPr>
-          <p:cNvPr id="2" name="Titel 1">
-            <a:extLst>
-              <a:ext uri="{FF2B5EF4-FFF2-40B4-BE49-F238E27FC236}">
-                <a16:creationId xmlns:a16="http://schemas.microsoft.com/office/drawing/2014/main" xmlns="" id="{19DD5F15-9C27-4730-80B4-4B8CA5C3D954}"/>
-              </a:ext>
-            </a:extLst>
-          </p:cNvPr>
-          <p:cNvSpPr>
-            <a:spLocks noGrp="1"/>
-          </p:cNvSpPr>
-          <p:nvPr>
-            <p:ph type="title"/>
-          </p:nvPr>
-        </p:nvSpPr>
-        <p:spPr>
-          <a:xfrm>
-            <a:off x="1163505" y="299558"/>
-            <a:ext cx="10515600" cy="1325563"/>
-          </a:xfrm>
-          <a:noFill/>
-          <a:ln>
-            <a:solidFill>
-              <a:schemeClr val="tx1"/>
-            </a:solidFill>
-          </a:ln>
-        </p:spPr>
-        <p:txBody>
-          <a:bodyPr/>
-          <a:lstStyle/>
-          <a:p>
-            <a:r>
-              <a:rPr lang="de-DE" b="1" dirty="0" err="1" smtClean="0">
-                <a:solidFill>
-                  <a:schemeClr val="bg1"/>
-                </a:solidFill>
-              </a:rPr>
-              <a:t>ResetUltraStream</a:t>
-            </a:r>
-            <a:r>
-              <a:rPr lang="de-DE" b="1" dirty="0" smtClean="0">
-                <a:solidFill>
-                  <a:schemeClr val="bg1"/>
-                </a:solidFill>
-              </a:rPr>
-              <a:t> </a:t>
-            </a:r>
-            <a:r>
-              <a:rPr lang="de-DE" b="1" dirty="0" smtClean="0">
-                <a:solidFill>
-                  <a:schemeClr val="bg1"/>
-                </a:solidFill>
-              </a:rPr>
-              <a:t>9</a:t>
-            </a:r>
-            <a:r>
-              <a:rPr lang="de-DE" b="1" dirty="0" smtClean="0">
-                <a:solidFill>
-                  <a:schemeClr val="bg1"/>
-                </a:solidFill>
-              </a:rPr>
-              <a:t/>
-            </a:r>
-            <a:br>
-              <a:rPr lang="de-DE" b="1" dirty="0" smtClean="0">
-                <a:solidFill>
-                  <a:schemeClr val="bg1"/>
-                </a:solidFill>
-              </a:rPr>
-            </a:br>
-            <a:r>
-              <a:rPr lang="de-DE" b="1" dirty="0" err="1" smtClean="0">
-                <a:solidFill>
-                  <a:schemeClr val="bg1"/>
-                </a:solidFill>
-              </a:rPr>
-              <a:t>set</a:t>
-            </a:r>
-            <a:r>
-              <a:rPr lang="de-DE" b="1" dirty="0" smtClean="0">
-                <a:solidFill>
-                  <a:schemeClr val="bg1"/>
-                </a:solidFill>
-              </a:rPr>
-              <a:t> </a:t>
-            </a:r>
-            <a:r>
-              <a:rPr lang="de-DE" b="1" dirty="0" err="1" smtClean="0">
-                <a:solidFill>
-                  <a:schemeClr val="bg1"/>
-                </a:solidFill>
-              </a:rPr>
-              <a:t>Sreaming</a:t>
-            </a:r>
-            <a:r>
-              <a:rPr lang="de-DE" b="1" dirty="0" smtClean="0">
-                <a:solidFill>
-                  <a:schemeClr val="bg1"/>
-                </a:solidFill>
-              </a:rPr>
-              <a:t> Server 2</a:t>
-            </a:r>
-            <a:endParaRPr lang="de-DE" b="1" dirty="0">
-              <a:solidFill>
-                <a:schemeClr val="bg1"/>
-              </a:solidFill>
-            </a:endParaRPr>
-          </a:p>
-        </p:txBody>
-      </p:sp>
-      <p:sp>
-        <p:nvSpPr>
-          <p:cNvPr id="3" name="Inhaltsplatzhalter 2">
-            <a:extLst>
-              <a:ext uri="{FF2B5EF4-FFF2-40B4-BE49-F238E27FC236}">
-                <a16:creationId xmlns:a16="http://schemas.microsoft.com/office/drawing/2014/main" xmlns="" id="{E47621BA-2F32-4AB0-8C4C-5362CB4F4EC5}"/>
-              </a:ext>
-            </a:extLst>
-          </p:cNvPr>
-          <p:cNvSpPr>
-            <a:spLocks noGrp="1"/>
-          </p:cNvSpPr>
-          <p:nvPr>
-            <p:ph idx="1"/>
-          </p:nvPr>
-        </p:nvSpPr>
-        <p:spPr>
-          <a:xfrm>
-            <a:off x="202020" y="2222205"/>
-            <a:ext cx="6220046" cy="2945219"/>
-          </a:xfrm>
-          <a:solidFill>
-            <a:schemeClr val="tx1"/>
-          </a:solidFill>
-        </p:spPr>
-        <p:txBody>
-          <a:bodyPr>
-            <a:normAutofit/>
-          </a:bodyPr>
-          <a:lstStyle/>
-          <a:p>
-            <a:r>
-              <a:rPr lang="de-DE" dirty="0" smtClean="0">
-                <a:solidFill>
-                  <a:schemeClr val="bg1"/>
-                </a:solidFill>
-                <a:effectLst>
-                  <a:outerShdw blurRad="50800" dist="50800" dir="5400000" algn="ctr" rotWithShape="0">
-                    <a:srgbClr val="000000">
-                      <a:alpha val="0"/>
-                    </a:srgbClr>
-                  </a:outerShdw>
-                </a:effectLst>
-              </a:rPr>
-              <a:t>Code mit </a:t>
-            </a:r>
-            <a:r>
-              <a:rPr lang="de-DE" dirty="0" err="1" smtClean="0">
-                <a:solidFill>
-                  <a:schemeClr val="bg1"/>
-                </a:solidFill>
-                <a:effectLst>
-                  <a:outerShdw blurRad="50800" dist="50800" dir="5400000" algn="ctr" rotWithShape="0">
-                    <a:srgbClr val="000000">
-                      <a:alpha val="0"/>
-                    </a:srgbClr>
-                  </a:outerShdw>
-                </a:effectLst>
-              </a:rPr>
-              <a:t>copy</a:t>
-            </a:r>
-            <a:r>
-              <a:rPr lang="de-DE" dirty="0" smtClean="0">
-                <a:solidFill>
-                  <a:schemeClr val="bg1"/>
-                </a:solidFill>
-                <a:effectLst>
-                  <a:outerShdw blurRad="50800" dist="50800" dir="5400000" algn="ctr" rotWithShape="0">
-                    <a:srgbClr val="000000">
-                      <a:alpha val="0"/>
-                    </a:srgbClr>
-                  </a:outerShdw>
-                </a:effectLst>
-              </a:rPr>
-              <a:t> </a:t>
-            </a:r>
-            <a:r>
-              <a:rPr lang="de-DE" dirty="0" err="1" smtClean="0">
-                <a:solidFill>
-                  <a:schemeClr val="bg1"/>
-                </a:solidFill>
-                <a:effectLst>
-                  <a:outerShdw blurRad="50800" dist="50800" dir="5400000" algn="ctr" rotWithShape="0">
-                    <a:srgbClr val="000000">
-                      <a:alpha val="0"/>
-                    </a:srgbClr>
-                  </a:outerShdw>
-                </a:effectLst>
-              </a:rPr>
-              <a:t>to</a:t>
-            </a:r>
-            <a:r>
-              <a:rPr lang="de-DE" dirty="0" smtClean="0">
-                <a:solidFill>
-                  <a:schemeClr val="bg1"/>
-                </a:solidFill>
-                <a:effectLst>
-                  <a:outerShdw blurRad="50800" dist="50800" dir="5400000" algn="ctr" rotWithShape="0">
-                    <a:srgbClr val="000000">
-                      <a:alpha val="0"/>
-                    </a:srgbClr>
-                  </a:outerShdw>
-                </a:effectLst>
-              </a:rPr>
-              <a:t> </a:t>
-            </a:r>
-            <a:r>
-              <a:rPr lang="de-DE" dirty="0" err="1" smtClean="0">
-                <a:solidFill>
-                  <a:schemeClr val="bg1"/>
-                </a:solidFill>
-                <a:effectLst>
-                  <a:outerShdw blurRad="50800" dist="50800" dir="5400000" algn="ctr" rotWithShape="0">
-                    <a:srgbClr val="000000">
-                      <a:alpha val="0"/>
-                    </a:srgbClr>
-                  </a:outerShdw>
-                </a:effectLst>
-              </a:rPr>
-              <a:t>clipboard</a:t>
-            </a:r>
-            <a:r>
-              <a:rPr lang="de-DE" dirty="0" smtClean="0">
-                <a:solidFill>
-                  <a:schemeClr val="bg1"/>
-                </a:solidFill>
-                <a:effectLst>
-                  <a:outerShdw blurRad="50800" dist="50800" dir="5400000" algn="ctr" rotWithShape="0">
-                    <a:srgbClr val="000000">
-                      <a:alpha val="0"/>
-                    </a:srgbClr>
-                  </a:outerShdw>
-                </a:effectLst>
-              </a:rPr>
-              <a:t> in Zwischenablage kopieren</a:t>
-            </a:r>
-          </a:p>
-          <a:p>
-            <a:r>
-              <a:rPr lang="de-DE" dirty="0" smtClean="0">
-                <a:solidFill>
-                  <a:schemeClr val="bg1"/>
-                </a:solidFill>
-                <a:effectLst>
-                  <a:outerShdw blurRad="50800" dist="50800" dir="5400000" algn="ctr" rotWithShape="0">
-                    <a:srgbClr val="000000">
-                      <a:alpha val="0"/>
-                    </a:srgbClr>
-                  </a:outerShdw>
-                </a:effectLst>
-              </a:rPr>
-              <a:t>Go </a:t>
-            </a:r>
-            <a:r>
-              <a:rPr lang="de-DE" dirty="0" err="1" smtClean="0">
-                <a:solidFill>
-                  <a:schemeClr val="bg1"/>
-                </a:solidFill>
-                <a:effectLst>
-                  <a:outerShdw blurRad="50800" dist="50800" dir="5400000" algn="ctr" rotWithShape="0">
-                    <a:srgbClr val="000000">
-                      <a:alpha val="0"/>
-                    </a:srgbClr>
-                  </a:outerShdw>
-                </a:effectLst>
-              </a:rPr>
-              <a:t>to</a:t>
-            </a:r>
-            <a:r>
-              <a:rPr lang="de-DE" dirty="0" smtClean="0">
-                <a:solidFill>
-                  <a:schemeClr val="bg1"/>
-                </a:solidFill>
-                <a:effectLst>
-                  <a:outerShdw blurRad="50800" dist="50800" dir="5400000" algn="ctr" rotWithShape="0">
-                    <a:srgbClr val="000000">
-                      <a:alpha val="0"/>
-                    </a:srgbClr>
-                  </a:outerShdw>
-                </a:effectLst>
-              </a:rPr>
-              <a:t> </a:t>
-            </a:r>
-            <a:r>
-              <a:rPr lang="de-DE" dirty="0" err="1" smtClean="0">
-                <a:solidFill>
-                  <a:schemeClr val="bg1"/>
-                </a:solidFill>
-                <a:effectLst>
-                  <a:outerShdw blurRad="50800" dist="50800" dir="5400000" algn="ctr" rotWithShape="0">
-                    <a:srgbClr val="000000">
-                      <a:alpha val="0"/>
-                    </a:srgbClr>
-                  </a:outerShdw>
-                </a:effectLst>
-              </a:rPr>
-              <a:t>Youtube</a:t>
-            </a:r>
-            <a:r>
-              <a:rPr lang="de-DE" dirty="0" smtClean="0">
-                <a:solidFill>
-                  <a:schemeClr val="bg1"/>
-                </a:solidFill>
-                <a:effectLst>
-                  <a:outerShdw blurRad="50800" dist="50800" dir="5400000" algn="ctr" rotWithShape="0">
-                    <a:srgbClr val="000000">
-                      <a:alpha val="0"/>
-                    </a:srgbClr>
-                  </a:outerShdw>
-                </a:effectLst>
-              </a:rPr>
-              <a:t> wählen</a:t>
-            </a:r>
-          </a:p>
-          <a:p>
-            <a:r>
-              <a:rPr lang="de-DE" dirty="0" smtClean="0">
-                <a:solidFill>
-                  <a:schemeClr val="bg1"/>
-                </a:solidFill>
-                <a:effectLst>
-                  <a:outerShdw blurRad="50800" dist="50800" dir="5400000" algn="ctr" rotWithShape="0">
-                    <a:srgbClr val="000000">
-                      <a:alpha val="0"/>
-                    </a:srgbClr>
-                  </a:outerShdw>
-                </a:effectLst>
-              </a:rPr>
-              <a:t>Code aus Zwischenablage ins Browserfenster kopieren und mit weiter  bestätigen</a:t>
-            </a:r>
-          </a:p>
-        </p:txBody>
-      </p:sp>
-      <p:pic>
-        <p:nvPicPr>
-          <p:cNvPr id="8194" name="Picture 2"/>
-          <p:cNvPicPr>
-            <a:picLocks noChangeAspect="1" noChangeArrowheads="1"/>
-          </p:cNvPicPr>
-          <p:nvPr/>
-        </p:nvPicPr>
-        <p:blipFill>
-          <a:blip r:embed="rId2"/>
-          <a:srcRect/>
-          <a:stretch>
-            <a:fillRect/>
-          </a:stretch>
-        </p:blipFill>
-        <p:spPr bwMode="auto">
-          <a:xfrm>
-            <a:off x="6457326" y="0"/>
-            <a:ext cx="5734674" cy="3444949"/>
-          </a:xfrm>
-          <a:prstGeom prst="rect">
-            <a:avLst/>
-          </a:prstGeom>
-          <a:noFill/>
-          <a:ln w="9525">
-            <a:noFill/>
-            <a:miter lim="800000"/>
-            <a:headEnd/>
-            <a:tailEnd/>
-          </a:ln>
-          <a:effectLst/>
-        </p:spPr>
-      </p:pic>
-      <p:pic>
-        <p:nvPicPr>
-          <p:cNvPr id="8195" name="Picture 3"/>
-          <p:cNvPicPr>
-            <a:picLocks noChangeAspect="1" noChangeArrowheads="1"/>
-          </p:cNvPicPr>
-          <p:nvPr/>
-        </p:nvPicPr>
-        <p:blipFill>
-          <a:blip r:embed="rId3"/>
-          <a:srcRect/>
-          <a:stretch>
-            <a:fillRect/>
-          </a:stretch>
-        </p:blipFill>
-        <p:spPr bwMode="auto">
-          <a:xfrm>
-            <a:off x="7506587" y="3472306"/>
-            <a:ext cx="4685414" cy="3321664"/>
-          </a:xfrm>
-          <a:prstGeom prst="rect">
-            <a:avLst/>
-          </a:prstGeom>
-          <a:noFill/>
-          <a:ln w="9525">
-            <a:noFill/>
-            <a:miter lim="800000"/>
-            <a:headEnd/>
-            <a:tailEnd/>
-          </a:ln>
-          <a:effectLst/>
-        </p:spPr>
-      </p:pic>
-    </p:spTree>
-    <p:extLst>
-      <p:ext uri="{BB962C8B-B14F-4D97-AF65-F5344CB8AC3E}">
-        <p14:creationId xmlns:p14="http://schemas.microsoft.com/office/powerpoint/2010/main" xmlns="" val="2321782577"/>
-      </p:ext>
-    </p:extLst>
-  </p:cSld>
-  <p:clrMapOvr>
-    <a:masterClrMapping/>
-  </p:clrMapOvr>
-  <p:timing>
-    <p:tnLst>
-      <p:par>
-        <p:cTn id="1" dur="indefinite" restart="never" nodeType="tmRoot"/>
-      </p:par>
-    </p:tnLst>
-  </p:timing>
 </p:sld>
 </file>
 
@@ -7490,7 +8006,7 @@
   <a:extraClrSchemeLst/>
   <a:extLst>
     <a:ext uri="{05A4C25C-085E-4340-85A3-A5531E510DB2}">
-      <thm15:themeFamily xmlns="" xmlns:thm15="http://schemas.microsoft.com/office/thememl/2012/main" name="Office Theme" id="{62F939B6-93AF-4DB8-9C6B-D6C7DFDC589F}" vid="{4F46216B-77A9-411A-B9D3-5023FCB70208}"/>
+      <thm15:themeFamily xmlns:thm15="http://schemas.microsoft.com/office/thememl/2012/main" xmlns="" name="Office Theme" id="{62F939B6-93AF-4DB8-9C6B-D6C7DFDC589F}" vid="{4F46216B-77A9-411A-B9D3-5023FCB70208}"/>
     </a:ext>
   </a:extLst>
 </a:theme>
